--- a/My Courses/Data Science/EDA.pptx
+++ b/My Courses/Data Science/EDA.pptx
@@ -5,7 +5,7 @@
     <p:sldMasterId id="2147483678" r:id="rId1"/>
   </p:sldMasterIdLst>
   <p:notesMasterIdLst>
-    <p:notesMasterId r:id="rId13"/>
+    <p:notesMasterId r:id="rId14"/>
   </p:notesMasterIdLst>
   <p:sldIdLst>
     <p:sldId id="256" r:id="rId2"/>
@@ -18,7 +18,8 @@
     <p:sldId id="329" r:id="rId9"/>
     <p:sldId id="333" r:id="rId10"/>
     <p:sldId id="335" r:id="rId11"/>
-    <p:sldId id="324" r:id="rId12"/>
+    <p:sldId id="336" r:id="rId12"/>
+    <p:sldId id="324" r:id="rId13"/>
   </p:sldIdLst>
   <p:sldSz cx="12192000" cy="6858000"/>
   <p:notesSz cx="6858000" cy="9144000"/>
@@ -132,6 +133,7 @@
             <p14:sldId id="329"/>
             <p14:sldId id="333"/>
             <p14:sldId id="335"/>
+            <p14:sldId id="336"/>
             <p14:sldId id="324"/>
           </p14:sldIdLst>
         </p14:section>
@@ -4351,7 +4353,7 @@
           <a:p>
             <a:fld id="{B2E8E9B9-1E63-4F39-B8D0-582BC410424E}" type="datetimeFigureOut">
               <a:rPr lang="es-CO" smtClean="0"/>
-              <a:t>23/08/2018</a:t>
+              <a:t>27/08/2018</a:t>
             </a:fld>
             <a:endParaRPr lang="es-CO"/>
           </a:p>
@@ -5022,7 +5024,7 @@
           <a:p>
             <a:fld id="{7686B5EC-4FB1-41B7-8670-53AEB2EB1F31}" type="datetime1">
               <a:rPr lang="es-CO" smtClean="0"/>
-              <a:t>23/08/2018</a:t>
+              <a:t>27/08/2018</a:t>
             </a:fld>
             <a:endParaRPr lang="es-CO"/>
           </a:p>
@@ -5201,7 +5203,7 @@
           <a:p>
             <a:fld id="{62E4560F-08EB-4591-90FD-AD5C1DC1F912}" type="datetime1">
               <a:rPr lang="es-CO" smtClean="0"/>
-              <a:t>23/08/2018</a:t>
+              <a:t>27/08/2018</a:t>
             </a:fld>
             <a:endParaRPr lang="es-CO"/>
           </a:p>
@@ -5381,7 +5383,7 @@
           <a:p>
             <a:fld id="{46C3FAB3-FA39-4B21-835A-5E3984399770}" type="datetime1">
               <a:rPr lang="es-CO" smtClean="0"/>
-              <a:t>23/08/2018</a:t>
+              <a:t>27/08/2018</a:t>
             </a:fld>
             <a:endParaRPr lang="es-CO"/>
           </a:p>
@@ -5551,7 +5553,7 @@
           <a:p>
             <a:fld id="{CE59C47A-37D4-4CD3-863B-E2426EE6CC8B}" type="datetime1">
               <a:rPr lang="es-CO" smtClean="0"/>
-              <a:t>23/08/2018</a:t>
+              <a:t>27/08/2018</a:t>
             </a:fld>
             <a:endParaRPr lang="es-CO"/>
           </a:p>
@@ -5864,7 +5866,7 @@
           <a:p>
             <a:fld id="{52D3C397-871A-486A-9EDA-A50E2540B44C}" type="datetime1">
               <a:rPr lang="es-CO" smtClean="0"/>
-              <a:t>23/08/2018</a:t>
+              <a:t>27/08/2018</a:t>
             </a:fld>
             <a:endParaRPr lang="es-CO"/>
           </a:p>
@@ -6250,7 +6252,7 @@
           <a:p>
             <a:fld id="{F5F208A2-D046-4CB3-B907-9AFEC6B4C15E}" type="datetime1">
               <a:rPr lang="es-CO" smtClean="0"/>
-              <a:t>23/08/2018</a:t>
+              <a:t>27/08/2018</a:t>
             </a:fld>
             <a:endParaRPr lang="es-CO"/>
           </a:p>
@@ -6684,7 +6686,7 @@
           <a:p>
             <a:fld id="{170543B1-7E09-44FA-9D8B-F7555B771CB0}" type="datetime1">
               <a:rPr lang="es-CO" smtClean="0"/>
-              <a:t>23/08/2018</a:t>
+              <a:t>27/08/2018</a:t>
             </a:fld>
             <a:endParaRPr lang="es-CO"/>
           </a:p>
@@ -6802,7 +6804,7 @@
           <a:p>
             <a:fld id="{08F7ECEC-DB93-4B02-ABB3-32DAF92FC469}" type="datetime1">
               <a:rPr lang="es-CO" smtClean="0"/>
-              <a:t>23/08/2018</a:t>
+              <a:t>27/08/2018</a:t>
             </a:fld>
             <a:endParaRPr lang="es-CO"/>
           </a:p>
@@ -6897,7 +6899,7 @@
           <a:p>
             <a:fld id="{FA3FB42F-D29F-4CA9-87B0-922206F8D5F8}" type="datetime1">
               <a:rPr lang="es-CO" smtClean="0"/>
-              <a:t>23/08/2018</a:t>
+              <a:t>27/08/2018</a:t>
             </a:fld>
             <a:endParaRPr lang="es-CO"/>
           </a:p>
@@ -7247,7 +7249,7 @@
           <a:p>
             <a:fld id="{2A2B69C3-9891-4BE4-9764-7F83AEDC17A0}" type="datetime1">
               <a:rPr lang="es-CO" smtClean="0"/>
-              <a:t>23/08/2018</a:t>
+              <a:t>27/08/2018</a:t>
             </a:fld>
             <a:endParaRPr lang="es-CO"/>
           </a:p>
@@ -7672,7 +7674,7 @@
           <a:p>
             <a:fld id="{2A1B9C8D-6C34-4E0F-8C0D-07BF18418F64}" type="datetime1">
               <a:rPr lang="es-CO" smtClean="0"/>
-              <a:t>23/08/2018</a:t>
+              <a:t>27/08/2018</a:t>
             </a:fld>
             <a:endParaRPr lang="es-CO"/>
           </a:p>
@@ -7953,7 +7955,7 @@
           <a:p>
             <a:fld id="{BBFFA07A-99AB-4C84-99F6-2A5A5CBA9238}" type="datetime1">
               <a:rPr lang="es-CO" smtClean="0"/>
-              <a:t>23/08/2018</a:t>
+              <a:t>27/08/2018</a:t>
             </a:fld>
             <a:endParaRPr lang="es-CO"/>
           </a:p>
@@ -9126,8 +9128,20 @@
           <a:lstStyle/>
           <a:p>
             <a:r>
+              <a:rPr lang="es-CO" dirty="0" err="1" smtClean="0"/>
+              <a:t>Exploratory</a:t>
+            </a:r>
+            <a:r>
               <a:rPr lang="es-CO" dirty="0" smtClean="0"/>
-              <a:t>Bibliografía</a:t>
+              <a:t> data </a:t>
+            </a:r>
+            <a:r>
+              <a:rPr lang="es-CO" dirty="0" err="1" smtClean="0"/>
+              <a:t>analysis</a:t>
+            </a:r>
+            <a:r>
+              <a:rPr lang="es-CO" dirty="0" smtClean="0"/>
+              <a:t>	</a:t>
             </a:r>
             <a:endParaRPr lang="es-CO" dirty="0"/>
           </a:p>
@@ -9149,75 +9163,17 @@
           <a:lstStyle/>
           <a:p>
             <a:r>
-              <a:rPr lang="en-US" dirty="0"/>
-              <a:t>Lutz, M. (2013). </a:t>
-            </a:r>
-            <a:r>
-              <a:rPr lang="en-US" i="1" dirty="0"/>
-              <a:t>Learning Python: Powerful Object-Oriented Programming</a:t>
-            </a:r>
-            <a:r>
-              <a:rPr lang="en-US" dirty="0"/>
-              <a:t>. " O'Reilly Media, Inc</a:t>
-            </a:r>
-            <a:r>
-              <a:rPr lang="en-US" dirty="0" smtClean="0"/>
-              <a:t>.".</a:t>
-            </a:r>
-          </a:p>
-          <a:p>
-            <a:r>
-              <a:rPr lang="en-US" dirty="0" smtClean="0"/>
-              <a:t>Villegas, N. &amp; Estrada, D. </a:t>
-            </a:r>
-            <a:r>
-              <a:rPr lang="en-US" dirty="0" err="1" smtClean="0"/>
-              <a:t>Introducción</a:t>
-            </a:r>
-            <a:r>
-              <a:rPr lang="en-US" dirty="0" smtClean="0"/>
-              <a:t> al </a:t>
-            </a:r>
-            <a:r>
-              <a:rPr lang="en-US" dirty="0" err="1" smtClean="0"/>
-              <a:t>análisis</a:t>
-            </a:r>
-            <a:r>
-              <a:rPr lang="en-US" dirty="0" smtClean="0"/>
-              <a:t> </a:t>
-            </a:r>
-            <a:r>
-              <a:rPr lang="en-US" dirty="0" err="1" smtClean="0"/>
-              <a:t>exploratorio</a:t>
-            </a:r>
-            <a:r>
-              <a:rPr lang="en-US" dirty="0" smtClean="0"/>
-              <a:t>. </a:t>
-            </a:r>
-            <a:r>
-              <a:rPr lang="en-US" dirty="0" err="1" smtClean="0"/>
-              <a:t>Diplomado</a:t>
-            </a:r>
-            <a:r>
-              <a:rPr lang="en-US" dirty="0" smtClean="0"/>
-              <a:t> </a:t>
-            </a:r>
-            <a:r>
-              <a:rPr lang="en-US" dirty="0" err="1" smtClean="0"/>
-              <a:t>en</a:t>
-            </a:r>
-            <a:r>
-              <a:rPr lang="en-US" dirty="0" smtClean="0"/>
-              <a:t> </a:t>
-            </a:r>
-            <a:r>
-              <a:rPr lang="es-CO" dirty="0" smtClean="0"/>
-              <a:t>analítica y grandes volúmenes de datos.</a:t>
-            </a:r>
-            <a:r>
-              <a:rPr lang="en-US" dirty="0" smtClean="0"/>
-              <a:t> </a:t>
-            </a:r>
+              <a:rPr lang="es-CO" sz="2400" dirty="0" smtClean="0"/>
+              <a:t>Correspondencia entre el tipo de variable y el asignado en el diccionario</a:t>
+            </a:r>
+          </a:p>
+          <a:p>
+            <a:endParaRPr lang="es-CO" sz="2400" dirty="0" smtClean="0"/>
+          </a:p>
+          <a:p>
+            <a:pPr marL="0" indent="0">
+              <a:buNone/>
+            </a:pPr>
             <a:endParaRPr lang="es-CO" dirty="0"/>
           </a:p>
         </p:txBody>
@@ -9240,6 +9196,171 @@
             <a:fld id="{C5E5B3A9-79B5-4540-A326-FCC6F92DD987}" type="slidenum">
               <a:rPr lang="es-CO" smtClean="0"/>
               <a:t>11</a:t>
+            </a:fld>
+            <a:endParaRPr lang="es-CO"/>
+          </a:p>
+        </p:txBody>
+      </p:sp>
+    </p:spTree>
+    <p:extLst>
+      <p:ext uri="{BB962C8B-B14F-4D97-AF65-F5344CB8AC3E}">
+        <p14:creationId xmlns:p14="http://schemas.microsoft.com/office/powerpoint/2010/main" val="640106926"/>
+      </p:ext>
+    </p:extLst>
+  </p:cSld>
+  <p:clrMapOvr>
+    <a:masterClrMapping/>
+  </p:clrMapOvr>
+</p:sld>
+</file>
+
+<file path=ppt/slides/slide12.xml><?xml version="1.0" encoding="utf-8"?>
+<p:sld xmlns:a="http://schemas.openxmlformats.org/drawingml/2006/main" xmlns:r="http://schemas.openxmlformats.org/officeDocument/2006/relationships" xmlns:p="http://schemas.openxmlformats.org/presentationml/2006/main">
+  <p:cSld>
+    <p:spTree>
+      <p:nvGrpSpPr>
+        <p:cNvPr id="1" name=""/>
+        <p:cNvGrpSpPr/>
+        <p:nvPr/>
+      </p:nvGrpSpPr>
+      <p:grpSpPr>
+        <a:xfrm>
+          <a:off x="0" y="0"/>
+          <a:ext cx="0" cy="0"/>
+          <a:chOff x="0" y="0"/>
+          <a:chExt cx="0" cy="0"/>
+        </a:xfrm>
+      </p:grpSpPr>
+      <p:sp>
+        <p:nvSpPr>
+          <p:cNvPr id="2" name="Título 1"/>
+          <p:cNvSpPr>
+            <a:spLocks noGrp="1"/>
+          </p:cNvSpPr>
+          <p:nvPr>
+            <p:ph type="title"/>
+          </p:nvPr>
+        </p:nvSpPr>
+        <p:spPr/>
+        <p:txBody>
+          <a:bodyPr/>
+          <a:lstStyle/>
+          <a:p>
+            <a:r>
+              <a:rPr lang="es-CO" dirty="0" smtClean="0"/>
+              <a:t>Bibliografía</a:t>
+            </a:r>
+            <a:endParaRPr lang="es-CO" dirty="0"/>
+          </a:p>
+        </p:txBody>
+      </p:sp>
+      <p:sp>
+        <p:nvSpPr>
+          <p:cNvPr id="3" name="Marcador de contenido 2"/>
+          <p:cNvSpPr>
+            <a:spLocks noGrp="1"/>
+          </p:cNvSpPr>
+          <p:nvPr>
+            <p:ph idx="1"/>
+          </p:nvPr>
+        </p:nvSpPr>
+        <p:spPr/>
+        <p:txBody>
+          <a:bodyPr/>
+          <a:lstStyle/>
+          <a:p>
+            <a:r>
+              <a:rPr lang="en-US" dirty="0"/>
+              <a:t>Lutz, M. (2013). </a:t>
+            </a:r>
+            <a:r>
+              <a:rPr lang="en-US" i="1" dirty="0"/>
+              <a:t>Learning Python: Powerful Object-Oriented Programming</a:t>
+            </a:r>
+            <a:r>
+              <a:rPr lang="en-US" dirty="0"/>
+              <a:t>. " O'Reilly Media, Inc</a:t>
+            </a:r>
+            <a:r>
+              <a:rPr lang="en-US" dirty="0" smtClean="0"/>
+              <a:t>.".</a:t>
+            </a:r>
+          </a:p>
+          <a:p>
+            <a:r>
+              <a:rPr lang="en-US" dirty="0" smtClean="0"/>
+              <a:t>Villegas, N. &amp; Estrada, D. </a:t>
+            </a:r>
+            <a:r>
+              <a:rPr lang="en-US" dirty="0" err="1" smtClean="0"/>
+              <a:t>Introducción</a:t>
+            </a:r>
+            <a:r>
+              <a:rPr lang="en-US" dirty="0" smtClean="0"/>
+              <a:t> al </a:t>
+            </a:r>
+            <a:r>
+              <a:rPr lang="en-US" dirty="0" err="1" smtClean="0"/>
+              <a:t>análisis</a:t>
+            </a:r>
+            <a:r>
+              <a:rPr lang="en-US" dirty="0" smtClean="0"/>
+              <a:t> </a:t>
+            </a:r>
+            <a:r>
+              <a:rPr lang="en-US" dirty="0" err="1" smtClean="0"/>
+              <a:t>exploratorio</a:t>
+            </a:r>
+            <a:r>
+              <a:rPr lang="en-US" dirty="0" smtClean="0"/>
+              <a:t>. </a:t>
+            </a:r>
+            <a:r>
+              <a:rPr lang="en-US" dirty="0" err="1" smtClean="0"/>
+              <a:t>Diplomado</a:t>
+            </a:r>
+            <a:r>
+              <a:rPr lang="en-US" dirty="0" smtClean="0"/>
+              <a:t> </a:t>
+            </a:r>
+            <a:r>
+              <a:rPr lang="en-US" dirty="0" err="1" smtClean="0"/>
+              <a:t>en</a:t>
+            </a:r>
+            <a:r>
+              <a:rPr lang="en-US" dirty="0" smtClean="0"/>
+              <a:t> </a:t>
+            </a:r>
+            <a:r>
+              <a:rPr lang="es-CO" dirty="0" smtClean="0"/>
+              <a:t>analítica y grandes volúmenes de datos.</a:t>
+            </a:r>
+            <a:r>
+              <a:rPr lang="en-US" dirty="0" smtClean="0"/>
+              <a:t> </a:t>
+            </a:r>
+            <a:endParaRPr lang="es-CO" dirty="0"/>
+          </a:p>
+        </p:txBody>
+      </p:sp>
+      <p:sp>
+        <p:nvSpPr>
+          <p:cNvPr id="4" name="Marcador de número de diapositiva 3"/>
+          <p:cNvSpPr>
+            <a:spLocks noGrp="1"/>
+          </p:cNvSpPr>
+          <p:nvPr>
+            <p:ph type="sldNum" sz="quarter" idx="12"/>
+          </p:nvPr>
+        </p:nvSpPr>
+        <p:spPr/>
+        <p:txBody>
+          <a:bodyPr/>
+          <a:lstStyle/>
+          <a:p>
+            <a:fld id="{C5E5B3A9-79B5-4540-A326-FCC6F92DD987}" type="slidenum">
+              <a:rPr lang="es-CO" smtClean="0"/>
+              <a:t>12</a:t>
             </a:fld>
             <a:endParaRPr lang="es-CO"/>
           </a:p>

--- a/My Courses/Data Science/EDA.pptx
+++ b/My Courses/Data Science/EDA.pptx
@@ -5,7 +5,7 @@
     <p:sldMasterId id="2147483678" r:id="rId1"/>
   </p:sldMasterIdLst>
   <p:notesMasterIdLst>
-    <p:notesMasterId r:id="rId14"/>
+    <p:notesMasterId r:id="rId19"/>
   </p:notesMasterIdLst>
   <p:sldIdLst>
     <p:sldId id="256" r:id="rId2"/>
@@ -18,8 +18,13 @@
     <p:sldId id="329" r:id="rId9"/>
     <p:sldId id="333" r:id="rId10"/>
     <p:sldId id="335" r:id="rId11"/>
-    <p:sldId id="336" r:id="rId12"/>
-    <p:sldId id="324" r:id="rId13"/>
+    <p:sldId id="338" r:id="rId12"/>
+    <p:sldId id="339" r:id="rId13"/>
+    <p:sldId id="340" r:id="rId14"/>
+    <p:sldId id="341" r:id="rId15"/>
+    <p:sldId id="342" r:id="rId16"/>
+    <p:sldId id="336" r:id="rId17"/>
+    <p:sldId id="324" r:id="rId18"/>
   </p:sldIdLst>
   <p:sldSz cx="12192000" cy="6858000"/>
   <p:notesSz cx="6858000" cy="9144000"/>
@@ -133,6 +138,11 @@
             <p14:sldId id="329"/>
             <p14:sldId id="333"/>
             <p14:sldId id="335"/>
+            <p14:sldId id="338"/>
+            <p14:sldId id="339"/>
+            <p14:sldId id="340"/>
+            <p14:sldId id="341"/>
+            <p14:sldId id="342"/>
             <p14:sldId id="336"/>
             <p14:sldId id="324"/>
           </p14:sldIdLst>
@@ -9128,53 +9138,9 @@
           <a:lstStyle/>
           <a:p>
             <a:r>
-              <a:rPr lang="es-CO" dirty="0" err="1" smtClean="0"/>
-              <a:t>Exploratory</a:t>
-            </a:r>
-            <a:r>
-              <a:rPr lang="es-CO" dirty="0" smtClean="0"/>
-              <a:t> data </a:t>
-            </a:r>
-            <a:r>
-              <a:rPr lang="es-CO" dirty="0" err="1" smtClean="0"/>
-              <a:t>analysis</a:t>
-            </a:r>
-            <a:r>
-              <a:rPr lang="es-CO" dirty="0" smtClean="0"/>
-              <a:t>	</a:t>
-            </a:r>
-            <a:endParaRPr lang="es-CO" dirty="0"/>
-          </a:p>
-        </p:txBody>
-      </p:sp>
-      <p:sp>
-        <p:nvSpPr>
-          <p:cNvPr id="3" name="Marcador de contenido 2"/>
-          <p:cNvSpPr>
-            <a:spLocks noGrp="1"/>
-          </p:cNvSpPr>
-          <p:nvPr>
-            <p:ph idx="1"/>
-          </p:nvPr>
-        </p:nvSpPr>
-        <p:spPr/>
-        <p:txBody>
-          <a:bodyPr/>
-          <a:lstStyle/>
-          <a:p>
-            <a:r>
-              <a:rPr lang="es-CO" sz="2400" dirty="0" smtClean="0"/>
-              <a:t>Correspondencia entre el tipo de variable y el asignado en el diccionario</a:t>
-            </a:r>
-          </a:p>
-          <a:p>
-            <a:endParaRPr lang="es-CO" sz="2400" dirty="0" smtClean="0"/>
-          </a:p>
-          <a:p>
-            <a:pPr marL="0" indent="0">
-              <a:buNone/>
-            </a:pPr>
-            <a:endParaRPr lang="es-CO" dirty="0"/>
+              <a:rPr lang="es-CO" dirty="0"/>
+              <a:t>Tipos de variables</a:t>
+            </a:r>
           </a:p>
         </p:txBody>
       </p:sp>
@@ -9201,16 +9167,166 @@
           </a:p>
         </p:txBody>
       </p:sp>
+      <p:pic>
+        <p:nvPicPr>
+          <p:cNvPr id="6" name="Picture 2" descr="Resultado de imagen para icesi a otro nivel"/>
+          <p:cNvPicPr>
+            <a:picLocks noChangeAspect="1" noChangeArrowheads="1"/>
+          </p:cNvPicPr>
+          <p:nvPr/>
+        </p:nvPicPr>
+        <p:blipFill>
+          <a:blip r:embed="rId2">
+            <a:extLst>
+              <a:ext uri="{28A0092B-C50C-407E-A947-70E740481C1C}">
+                <a14:useLocalDpi xmlns:a14="http://schemas.microsoft.com/office/drawing/2010/main" val="0"/>
+              </a:ext>
+            </a:extLst>
+          </a:blip>
+          <a:srcRect/>
+          <a:stretch>
+            <a:fillRect/>
+          </a:stretch>
+        </p:blipFill>
+        <p:spPr bwMode="auto">
+          <a:xfrm>
+            <a:off x="0" y="6172200"/>
+            <a:ext cx="2484781" cy="685800"/>
+          </a:xfrm>
+          <a:prstGeom prst="rect">
+            <a:avLst/>
+          </a:prstGeom>
+          <a:noFill/>
+          <a:extLst>
+            <a:ext uri="{909E8E84-426E-40DD-AFC4-6F175D3DCCD1}">
+              <a14:hiddenFill xmlns:a14="http://schemas.microsoft.com/office/drawing/2010/main">
+                <a:solidFill>
+                  <a:srgbClr val="FFFFFF"/>
+                </a:solidFill>
+              </a14:hiddenFill>
+            </a:ext>
+          </a:extLst>
+        </p:spPr>
+      </p:pic>
+      <p:sp>
+        <p:nvSpPr>
+          <p:cNvPr id="7" name="Marcador de contenido 2"/>
+          <p:cNvSpPr>
+            <a:spLocks noGrp="1"/>
+          </p:cNvSpPr>
+          <p:nvPr>
+            <p:ph idx="1"/>
+          </p:nvPr>
+        </p:nvSpPr>
+        <p:spPr>
+          <a:xfrm>
+            <a:off x="1069848" y="2121408"/>
+            <a:ext cx="10058400" cy="4050792"/>
+          </a:xfrm>
+        </p:spPr>
+        <p:txBody>
+          <a:bodyPr>
+            <a:normAutofit/>
+          </a:bodyPr>
+          <a:lstStyle/>
+          <a:p>
+            <a:pPr algn="just"/>
+            <a:r>
+              <a:rPr lang="es-CO" b="1" dirty="0"/>
+              <a:t>Variables cuantitativas</a:t>
+            </a:r>
+            <a:r>
+              <a:rPr lang="es-CO" dirty="0"/>
+              <a:t>, sus valores son numéricos y pueden ser contados o medidos, por ejemplo, ventas netas de una compañía. </a:t>
+            </a:r>
+            <a:endParaRPr lang="es-CO" b="1" dirty="0"/>
+          </a:p>
+          <a:p>
+            <a:pPr lvl="1" algn="just"/>
+            <a:r>
+              <a:rPr lang="es-CO" b="1" dirty="0"/>
+              <a:t>Variables discretas</a:t>
+            </a:r>
+            <a:r>
+              <a:rPr lang="es-CO" dirty="0"/>
+              <a:t>, es una variable numérica que usualmente se obtiene a través del conteo y solamente puede tomar valores específicos de un conjunto, por ejemplo, el número de personas en una ciudad o el número de quejas de los clientes.</a:t>
+            </a:r>
+          </a:p>
+          <a:p>
+            <a:pPr lvl="1" algn="just"/>
+            <a:r>
+              <a:rPr lang="es-CO" b="1" dirty="0"/>
+              <a:t>Variables continuas</a:t>
+            </a:r>
+            <a:r>
+              <a:rPr lang="es-CO" dirty="0"/>
+              <a:t>, son variables numéricas que pueden tomar un valor (infinito/decimal) entre dos valores numéricos cualquiera. Usualmente, esta variable se obtiene a partir de mediciones, por ejemplo, la temperatura de un paciente. </a:t>
+            </a:r>
+          </a:p>
+          <a:p>
+            <a:pPr lvl="1" algn="just"/>
+            <a:endParaRPr lang="es-CO" dirty="0"/>
+          </a:p>
+        </p:txBody>
+      </p:sp>
+      <p:pic>
+        <p:nvPicPr>
+          <p:cNvPr id="1026" name="Picture 2" descr="Resultado de imagen para variable types"/>
+          <p:cNvPicPr>
+            <a:picLocks noChangeAspect="1" noChangeArrowheads="1"/>
+          </p:cNvPicPr>
+          <p:nvPr/>
+        </p:nvPicPr>
+        <p:blipFill>
+          <a:blip r:embed="rId3">
+            <a:extLst>
+              <a:ext uri="{28A0092B-C50C-407E-A947-70E740481C1C}">
+                <a14:useLocalDpi xmlns:a14="http://schemas.microsoft.com/office/drawing/2010/main" val="0"/>
+              </a:ext>
+            </a:extLst>
+          </a:blip>
+          <a:srcRect/>
+          <a:stretch>
+            <a:fillRect/>
+          </a:stretch>
+        </p:blipFill>
+        <p:spPr bwMode="auto">
+          <a:xfrm>
+            <a:off x="8169589" y="5074964"/>
+            <a:ext cx="3141539" cy="1783036"/>
+          </a:xfrm>
+          <a:prstGeom prst="rect">
+            <a:avLst/>
+          </a:prstGeom>
+          <a:noFill/>
+          <a:extLst>
+            <a:ext uri="{909E8E84-426E-40DD-AFC4-6F175D3DCCD1}">
+              <a14:hiddenFill xmlns:a14="http://schemas.microsoft.com/office/drawing/2010/main">
+                <a:solidFill>
+                  <a:srgbClr val="FFFFFF"/>
+                </a:solidFill>
+              </a14:hiddenFill>
+            </a:ext>
+          </a:extLst>
+        </p:spPr>
+      </p:pic>
     </p:spTree>
     <p:extLst>
       <p:ext uri="{BB962C8B-B14F-4D97-AF65-F5344CB8AC3E}">
-        <p14:creationId xmlns:p14="http://schemas.microsoft.com/office/powerpoint/2010/main" val="640106926"/>
+        <p14:creationId xmlns:p14="http://schemas.microsoft.com/office/powerpoint/2010/main" val="1624365032"/>
       </p:ext>
     </p:extLst>
   </p:cSld>
   <p:clrMapOvr>
     <a:masterClrMapping/>
   </p:clrMapOvr>
+  <p:timing>
+    <p:tnLst>
+      <p:par>
+        <p:cTn id="1" dur="indefinite" restart="never" nodeType="tmRoot"/>
+      </p:par>
+    </p:tnLst>
+  </p:timing>
 </p:sld>
 </file>
 
@@ -9247,8 +9363,1936 @@
           <a:lstStyle/>
           <a:p>
             <a:r>
+              <a:rPr lang="es-CO" dirty="0"/>
+              <a:t>Tipos de variables</a:t>
+            </a:r>
+          </a:p>
+        </p:txBody>
+      </p:sp>
+      <p:sp>
+        <p:nvSpPr>
+          <p:cNvPr id="4" name="Marcador de número de diapositiva 3"/>
+          <p:cNvSpPr>
+            <a:spLocks noGrp="1"/>
+          </p:cNvSpPr>
+          <p:nvPr>
+            <p:ph type="sldNum" sz="quarter" idx="12"/>
+          </p:nvPr>
+        </p:nvSpPr>
+        <p:spPr/>
+        <p:txBody>
+          <a:bodyPr/>
+          <a:lstStyle/>
+          <a:p>
+            <a:fld id="{C5E5B3A9-79B5-4540-A326-FCC6F92DD987}" type="slidenum">
+              <a:rPr lang="es-CO" smtClean="0"/>
+              <a:t>12</a:t>
+            </a:fld>
+            <a:endParaRPr lang="es-CO"/>
+          </a:p>
+        </p:txBody>
+      </p:sp>
+      <p:pic>
+        <p:nvPicPr>
+          <p:cNvPr id="6" name="Picture 2" descr="Resultado de imagen para icesi a otro nivel"/>
+          <p:cNvPicPr>
+            <a:picLocks noChangeAspect="1" noChangeArrowheads="1"/>
+          </p:cNvPicPr>
+          <p:nvPr/>
+        </p:nvPicPr>
+        <p:blipFill>
+          <a:blip r:embed="rId2">
+            <a:extLst>
+              <a:ext uri="{28A0092B-C50C-407E-A947-70E740481C1C}">
+                <a14:useLocalDpi xmlns:a14="http://schemas.microsoft.com/office/drawing/2010/main" val="0"/>
+              </a:ext>
+            </a:extLst>
+          </a:blip>
+          <a:srcRect/>
+          <a:stretch>
+            <a:fillRect/>
+          </a:stretch>
+        </p:blipFill>
+        <p:spPr bwMode="auto">
+          <a:xfrm>
+            <a:off x="0" y="6172200"/>
+            <a:ext cx="2484781" cy="685800"/>
+          </a:xfrm>
+          <a:prstGeom prst="rect">
+            <a:avLst/>
+          </a:prstGeom>
+          <a:noFill/>
+          <a:extLst>
+            <a:ext uri="{909E8E84-426E-40DD-AFC4-6F175D3DCCD1}">
+              <a14:hiddenFill xmlns:a14="http://schemas.microsoft.com/office/drawing/2010/main">
+                <a:solidFill>
+                  <a:srgbClr val="FFFFFF"/>
+                </a:solidFill>
+              </a14:hiddenFill>
+            </a:ext>
+          </a:extLst>
+        </p:spPr>
+      </p:pic>
+      <p:sp>
+        <p:nvSpPr>
+          <p:cNvPr id="7" name="Marcador de contenido 2"/>
+          <p:cNvSpPr>
+            <a:spLocks noGrp="1"/>
+          </p:cNvSpPr>
+          <p:nvPr>
+            <p:ph idx="1"/>
+          </p:nvPr>
+        </p:nvSpPr>
+        <p:spPr>
+          <a:xfrm>
+            <a:off x="1069848" y="2121408"/>
+            <a:ext cx="10058400" cy="4050792"/>
+          </a:xfrm>
+        </p:spPr>
+        <p:txBody>
+          <a:bodyPr>
+            <a:normAutofit/>
+          </a:bodyPr>
+          <a:lstStyle/>
+          <a:p>
+            <a:pPr algn="just"/>
+            <a:r>
+              <a:rPr lang="es-CO" b="1" dirty="0"/>
+              <a:t>Variables cualitativas</a:t>
+            </a:r>
+            <a:r>
+              <a:rPr lang="es-CO" dirty="0"/>
+              <a:t>, conocidos también como variables categóricas, sus valores pueden ser contados pero no medidos. </a:t>
+            </a:r>
+            <a:endParaRPr lang="es-CO" b="1" dirty="0"/>
+          </a:p>
+          <a:p>
+            <a:pPr lvl="1" algn="just"/>
+            <a:r>
+              <a:rPr lang="es-CO" b="1" dirty="0"/>
+              <a:t>Variables nominales</a:t>
+            </a:r>
+            <a:r>
+              <a:rPr lang="es-CO" dirty="0"/>
+              <a:t>, son valores que presentan a una categoría y no cuentan con un orden. Estos valores pueden ser contados pero no pueden ser ni medidos y ni ordenados, por ejemplo,  género de música y categorías de productos. </a:t>
+            </a:r>
+          </a:p>
+          <a:p>
+            <a:pPr lvl="1" algn="just"/>
+            <a:r>
+              <a:rPr lang="es-CO" b="1" dirty="0"/>
+              <a:t>Variables ordinales</a:t>
+            </a:r>
+            <a:r>
+              <a:rPr lang="es-CO" dirty="0"/>
+              <a:t>, son valores numéricos que pueden ser discretos o continuos y que están ya sea ordenadas o jerarquizadas. </a:t>
+            </a:r>
+          </a:p>
+          <a:p>
+            <a:pPr lvl="1" algn="just"/>
+            <a:r>
+              <a:rPr lang="es-CO" b="1" smtClean="0"/>
+              <a:t>Variables binarias</a:t>
+            </a:r>
+            <a:r>
+              <a:rPr lang="es-CO" dirty="0"/>
+              <a:t>, sus valores hacen parte únicamente a dos categorías que generalmente son opuestos, por ejemplo, 1/0 y verdadero/falso.</a:t>
+            </a:r>
+            <a:endParaRPr lang="es-CO" b="1" dirty="0"/>
+          </a:p>
+          <a:p>
+            <a:pPr lvl="1" algn="just"/>
+            <a:endParaRPr lang="es-CO" dirty="0"/>
+          </a:p>
+        </p:txBody>
+      </p:sp>
+      <p:pic>
+        <p:nvPicPr>
+          <p:cNvPr id="8" name="Picture 2" descr="Resultado de imagen para variable types"/>
+          <p:cNvPicPr>
+            <a:picLocks noChangeAspect="1" noChangeArrowheads="1"/>
+          </p:cNvPicPr>
+          <p:nvPr/>
+        </p:nvPicPr>
+        <p:blipFill>
+          <a:blip r:embed="rId3">
+            <a:extLst>
+              <a:ext uri="{28A0092B-C50C-407E-A947-70E740481C1C}">
+                <a14:useLocalDpi xmlns:a14="http://schemas.microsoft.com/office/drawing/2010/main" val="0"/>
+              </a:ext>
+            </a:extLst>
+          </a:blip>
+          <a:srcRect/>
+          <a:stretch>
+            <a:fillRect/>
+          </a:stretch>
+        </p:blipFill>
+        <p:spPr bwMode="auto">
+          <a:xfrm>
+            <a:off x="8169589" y="5074964"/>
+            <a:ext cx="3141539" cy="1783036"/>
+          </a:xfrm>
+          <a:prstGeom prst="rect">
+            <a:avLst/>
+          </a:prstGeom>
+          <a:noFill/>
+          <a:extLst>
+            <a:ext uri="{909E8E84-426E-40DD-AFC4-6F175D3DCCD1}">
+              <a14:hiddenFill xmlns:a14="http://schemas.microsoft.com/office/drawing/2010/main">
+                <a:solidFill>
+                  <a:srgbClr val="FFFFFF"/>
+                </a:solidFill>
+              </a14:hiddenFill>
+            </a:ext>
+          </a:extLst>
+        </p:spPr>
+      </p:pic>
+    </p:spTree>
+    <p:extLst>
+      <p:ext uri="{BB962C8B-B14F-4D97-AF65-F5344CB8AC3E}">
+        <p14:creationId xmlns:p14="http://schemas.microsoft.com/office/powerpoint/2010/main" val="3492901752"/>
+      </p:ext>
+    </p:extLst>
+  </p:cSld>
+  <p:clrMapOvr>
+    <a:masterClrMapping/>
+  </p:clrMapOvr>
+  <p:timing>
+    <p:tnLst>
+      <p:par>
+        <p:cTn id="1" dur="indefinite" restart="never" nodeType="tmRoot"/>
+      </p:par>
+    </p:tnLst>
+  </p:timing>
+</p:sld>
+</file>
+
+<file path=ppt/slides/slide13.xml><?xml version="1.0" encoding="utf-8"?>
+<p:sld xmlns:a="http://schemas.openxmlformats.org/drawingml/2006/main" xmlns:r="http://schemas.openxmlformats.org/officeDocument/2006/relationships" xmlns:p="http://schemas.openxmlformats.org/presentationml/2006/main">
+  <p:cSld>
+    <p:spTree>
+      <p:nvGrpSpPr>
+        <p:cNvPr id="1" name=""/>
+        <p:cNvGrpSpPr/>
+        <p:nvPr/>
+      </p:nvGrpSpPr>
+      <p:grpSpPr>
+        <a:xfrm>
+          <a:off x="0" y="0"/>
+          <a:ext cx="0" cy="0"/>
+          <a:chOff x="0" y="0"/>
+          <a:chExt cx="0" cy="0"/>
+        </a:xfrm>
+      </p:grpSpPr>
+      <p:sp>
+        <p:nvSpPr>
+          <p:cNvPr id="2" name="Título 1"/>
+          <p:cNvSpPr>
+            <a:spLocks noGrp="1"/>
+          </p:cNvSpPr>
+          <p:nvPr>
+            <p:ph type="title"/>
+          </p:nvPr>
+        </p:nvSpPr>
+        <p:spPr/>
+        <p:txBody>
+          <a:bodyPr/>
+          <a:lstStyle/>
+          <a:p>
+            <a:r>
+              <a:rPr lang="es-CO" dirty="0"/>
+              <a:t>Tipos de variables</a:t>
+            </a:r>
+          </a:p>
+        </p:txBody>
+      </p:sp>
+      <p:sp>
+        <p:nvSpPr>
+          <p:cNvPr id="4" name="Marcador de número de diapositiva 3"/>
+          <p:cNvSpPr>
+            <a:spLocks noGrp="1"/>
+          </p:cNvSpPr>
+          <p:nvPr>
+            <p:ph type="sldNum" sz="quarter" idx="12"/>
+          </p:nvPr>
+        </p:nvSpPr>
+        <p:spPr/>
+        <p:txBody>
+          <a:bodyPr/>
+          <a:lstStyle/>
+          <a:p>
+            <a:fld id="{C5E5B3A9-79B5-4540-A326-FCC6F92DD987}" type="slidenum">
+              <a:rPr lang="es-CO" smtClean="0"/>
+              <a:t>13</a:t>
+            </a:fld>
+            <a:endParaRPr lang="es-CO"/>
+          </a:p>
+        </p:txBody>
+      </p:sp>
+      <p:pic>
+        <p:nvPicPr>
+          <p:cNvPr id="6" name="Picture 2" descr="Resultado de imagen para icesi a otro nivel"/>
+          <p:cNvPicPr>
+            <a:picLocks noChangeAspect="1" noChangeArrowheads="1"/>
+          </p:cNvPicPr>
+          <p:nvPr/>
+        </p:nvPicPr>
+        <p:blipFill>
+          <a:blip r:embed="rId2">
+            <a:extLst>
+              <a:ext uri="{28A0092B-C50C-407E-A947-70E740481C1C}">
+                <a14:useLocalDpi xmlns:a14="http://schemas.microsoft.com/office/drawing/2010/main" val="0"/>
+              </a:ext>
+            </a:extLst>
+          </a:blip>
+          <a:srcRect/>
+          <a:stretch>
+            <a:fillRect/>
+          </a:stretch>
+        </p:blipFill>
+        <p:spPr bwMode="auto">
+          <a:xfrm>
+            <a:off x="0" y="6172200"/>
+            <a:ext cx="2484781" cy="685800"/>
+          </a:xfrm>
+          <a:prstGeom prst="rect">
+            <a:avLst/>
+          </a:prstGeom>
+          <a:noFill/>
+          <a:extLst>
+            <a:ext uri="{909E8E84-426E-40DD-AFC4-6F175D3DCCD1}">
+              <a14:hiddenFill xmlns:a14="http://schemas.microsoft.com/office/drawing/2010/main">
+                <a:solidFill>
+                  <a:srgbClr val="FFFFFF"/>
+                </a:solidFill>
+              </a14:hiddenFill>
+            </a:ext>
+          </a:extLst>
+        </p:spPr>
+      </p:pic>
+      <p:sp>
+        <p:nvSpPr>
+          <p:cNvPr id="7" name="Marcador de contenido 2"/>
+          <p:cNvSpPr>
+            <a:spLocks noGrp="1"/>
+          </p:cNvSpPr>
+          <p:nvPr>
+            <p:ph idx="1"/>
+          </p:nvPr>
+        </p:nvSpPr>
+        <p:spPr>
+          <a:xfrm>
+            <a:off x="1069848" y="2121408"/>
+            <a:ext cx="10058400" cy="4050792"/>
+          </a:xfrm>
+        </p:spPr>
+        <p:txBody>
+          <a:bodyPr>
+            <a:normAutofit/>
+          </a:bodyPr>
+          <a:lstStyle/>
+          <a:p>
+            <a:pPr algn="just"/>
+            <a:r>
+              <a:rPr lang="es-CO" b="1" dirty="0"/>
+              <a:t>Variables independientes</a:t>
+            </a:r>
+            <a:r>
+              <a:rPr lang="es-CO" dirty="0"/>
+              <a:t>, sus valores no dependen de otra variable pero posiblemente si puedan influenciar a otras. </a:t>
+            </a:r>
+          </a:p>
+          <a:p>
+            <a:pPr algn="just"/>
+            <a:r>
+              <a:rPr lang="es-CO" b="1" dirty="0"/>
+              <a:t>Variables dependientes</a:t>
+            </a:r>
+            <a:r>
+              <a:rPr lang="es-CO" dirty="0"/>
+              <a:t>, este tipo de variable si depende de otras variables.</a:t>
+            </a:r>
+          </a:p>
+          <a:p>
+            <a:pPr algn="just"/>
+            <a:r>
+              <a:rPr lang="es-CO" b="1" dirty="0"/>
+              <a:t>Variable aleatoria</a:t>
+            </a:r>
+            <a:r>
+              <a:rPr lang="es-CO" dirty="0"/>
+              <a:t>, es una variable que puede asumir un valor de un rango de valores basado en la probabilidad. </a:t>
+            </a:r>
+            <a:endParaRPr lang="es-CO" b="1" dirty="0"/>
+          </a:p>
+        </p:txBody>
+      </p:sp>
+    </p:spTree>
+    <p:extLst>
+      <p:ext uri="{BB962C8B-B14F-4D97-AF65-F5344CB8AC3E}">
+        <p14:creationId xmlns:p14="http://schemas.microsoft.com/office/powerpoint/2010/main" val="1650489715"/>
+      </p:ext>
+    </p:extLst>
+  </p:cSld>
+  <p:clrMapOvr>
+    <a:masterClrMapping/>
+  </p:clrMapOvr>
+  <p:timing>
+    <p:tnLst>
+      <p:par>
+        <p:cTn id="1" dur="indefinite" restart="never" nodeType="tmRoot"/>
+      </p:par>
+    </p:tnLst>
+  </p:timing>
+</p:sld>
+</file>
+
+<file path=ppt/slides/slide14.xml><?xml version="1.0" encoding="utf-8"?>
+<p:sld xmlns:a="http://schemas.openxmlformats.org/drawingml/2006/main" xmlns:r="http://schemas.openxmlformats.org/officeDocument/2006/relationships" xmlns:p="http://schemas.openxmlformats.org/presentationml/2006/main">
+  <p:cSld>
+    <p:spTree>
+      <p:nvGrpSpPr>
+        <p:cNvPr id="1" name=""/>
+        <p:cNvGrpSpPr/>
+        <p:nvPr/>
+      </p:nvGrpSpPr>
+      <p:grpSpPr>
+        <a:xfrm>
+          <a:off x="0" y="0"/>
+          <a:ext cx="0" cy="0"/>
+          <a:chOff x="0" y="0"/>
+          <a:chExt cx="0" cy="0"/>
+        </a:xfrm>
+      </p:grpSpPr>
+      <p:sp>
+        <p:nvSpPr>
+          <p:cNvPr id="4" name="Marcador de número de diapositiva 3"/>
+          <p:cNvSpPr>
+            <a:spLocks noGrp="1"/>
+          </p:cNvSpPr>
+          <p:nvPr>
+            <p:ph type="sldNum" sz="quarter" idx="12"/>
+          </p:nvPr>
+        </p:nvSpPr>
+        <p:spPr/>
+        <p:txBody>
+          <a:bodyPr/>
+          <a:lstStyle/>
+          <a:p>
+            <a:fld id="{C5E5B3A9-79B5-4540-A326-FCC6F92DD987}" type="slidenum">
+              <a:rPr lang="es-CO" smtClean="0"/>
+              <a:t>14</a:t>
+            </a:fld>
+            <a:endParaRPr lang="es-CO"/>
+          </a:p>
+        </p:txBody>
+      </p:sp>
+      <p:sp>
+        <p:nvSpPr>
+          <p:cNvPr id="5" name="Rectángulo 4"/>
+          <p:cNvSpPr/>
+          <p:nvPr/>
+        </p:nvSpPr>
+        <p:spPr>
+          <a:xfrm>
+            <a:off x="3051047" y="5003364"/>
+            <a:ext cx="6096000" cy="646331"/>
+          </a:xfrm>
+          <a:prstGeom prst="rect">
+            <a:avLst/>
+          </a:prstGeom>
+        </p:spPr>
+        <p:txBody>
+          <a:bodyPr>
+            <a:spAutoFit/>
+          </a:bodyPr>
+          <a:lstStyle/>
+          <a:p>
+            <a:r>
+              <a:rPr lang="es-CO" dirty="0"/>
+              <a:t>https://www.analyticsvidhya.com/blog/2016/01/guide-data-exploration/</a:t>
+            </a:r>
+          </a:p>
+        </p:txBody>
+      </p:sp>
+      <p:pic>
+        <p:nvPicPr>
+          <p:cNvPr id="3074" name="Picture 2" descr="Business Analytics, Data Exploration"/>
+          <p:cNvPicPr>
+            <a:picLocks noChangeAspect="1" noChangeArrowheads="1"/>
+          </p:cNvPicPr>
+          <p:nvPr/>
+        </p:nvPicPr>
+        <p:blipFill>
+          <a:blip r:embed="rId2">
+            <a:extLst>
+              <a:ext uri="{28A0092B-C50C-407E-A947-70E740481C1C}">
+                <a14:useLocalDpi xmlns:a14="http://schemas.microsoft.com/office/drawing/2010/main" val="0"/>
+              </a:ext>
+            </a:extLst>
+          </a:blip>
+          <a:srcRect/>
+          <a:stretch>
+            <a:fillRect/>
+          </a:stretch>
+        </p:blipFill>
+        <p:spPr bwMode="auto">
+          <a:xfrm>
+            <a:off x="1823026" y="3050332"/>
+            <a:ext cx="8552041" cy="1907077"/>
+          </a:xfrm>
+          <a:prstGeom prst="rect">
+            <a:avLst/>
+          </a:prstGeom>
+          <a:noFill/>
+          <a:extLst>
+            <a:ext uri="{909E8E84-426E-40DD-AFC4-6F175D3DCCD1}">
+              <a14:hiddenFill xmlns:a14="http://schemas.microsoft.com/office/drawing/2010/main">
+                <a:solidFill>
+                  <a:srgbClr val="FFFFFF"/>
+                </a:solidFill>
+              </a14:hiddenFill>
+            </a:ext>
+          </a:extLst>
+        </p:spPr>
+      </p:pic>
+      <p:sp>
+        <p:nvSpPr>
+          <p:cNvPr id="8" name="Título 1"/>
+          <p:cNvSpPr>
+            <a:spLocks noGrp="1"/>
+          </p:cNvSpPr>
+          <p:nvPr>
+            <p:ph type="title"/>
+          </p:nvPr>
+        </p:nvSpPr>
+        <p:spPr>
+          <a:xfrm>
+            <a:off x="1069848" y="484632"/>
+            <a:ext cx="10058400" cy="1609344"/>
+          </a:xfrm>
+        </p:spPr>
+        <p:txBody>
+          <a:bodyPr/>
+          <a:lstStyle/>
+          <a:p>
+            <a:r>
+              <a:rPr lang="es-CO" dirty="0"/>
+              <a:t>Tipos de variables</a:t>
+            </a:r>
+          </a:p>
+        </p:txBody>
+      </p:sp>
+      <p:sp>
+        <p:nvSpPr>
+          <p:cNvPr id="6" name="Abrir llave 5"/>
+          <p:cNvSpPr/>
+          <p:nvPr/>
+        </p:nvSpPr>
+        <p:spPr>
+          <a:xfrm rot="16200000">
+            <a:off x="9527614" y="2301087"/>
+            <a:ext cx="368678" cy="1129811"/>
+          </a:xfrm>
+          <a:prstGeom prst="leftBrace">
+            <a:avLst/>
+          </a:prstGeom>
+          <a:ln w="28575"/>
+        </p:spPr>
+        <p:style>
+          <a:lnRef idx="1">
+            <a:schemeClr val="accent1"/>
+          </a:lnRef>
+          <a:fillRef idx="0">
+            <a:schemeClr val="accent1"/>
+          </a:fillRef>
+          <a:effectRef idx="0">
+            <a:schemeClr val="accent1"/>
+          </a:effectRef>
+          <a:fontRef idx="minor">
+            <a:schemeClr val="tx1"/>
+          </a:fontRef>
+        </p:style>
+        <p:txBody>
+          <a:bodyPr rtlCol="0" anchor="ctr"/>
+          <a:lstStyle/>
+          <a:p>
+            <a:pPr algn="ctr"/>
+            <a:endParaRPr lang="es-CO"/>
+          </a:p>
+        </p:txBody>
+      </p:sp>
+      <p:sp>
+        <p:nvSpPr>
+          <p:cNvPr id="9" name="CuadroTexto 8"/>
+          <p:cNvSpPr txBox="1"/>
+          <p:nvPr/>
+        </p:nvSpPr>
+        <p:spPr>
+          <a:xfrm>
+            <a:off x="9147047" y="2462655"/>
+            <a:ext cx="1100045" cy="369332"/>
+          </a:xfrm>
+          <a:prstGeom prst="rect">
+            <a:avLst/>
+          </a:prstGeom>
+          <a:noFill/>
+        </p:spPr>
+        <p:txBody>
+          <a:bodyPr wrap="none" rtlCol="0">
+            <a:spAutoFit/>
+          </a:bodyPr>
+          <a:lstStyle/>
+          <a:p>
+            <a:r>
               <a:rPr lang="es-CO" dirty="0" smtClean="0"/>
-              <a:t>Bibliografía</a:t>
+              <a:t>Objetivo</a:t>
+            </a:r>
+            <a:endParaRPr lang="es-CO" dirty="0"/>
+          </a:p>
+        </p:txBody>
+      </p:sp>
+      <p:sp>
+        <p:nvSpPr>
+          <p:cNvPr id="11" name="Abrir llave 10"/>
+          <p:cNvSpPr/>
+          <p:nvPr/>
+        </p:nvSpPr>
+        <p:spPr>
+          <a:xfrm rot="16200000">
+            <a:off x="5864828" y="-132128"/>
+            <a:ext cx="368678" cy="5996241"/>
+          </a:xfrm>
+          <a:prstGeom prst="leftBrace">
+            <a:avLst/>
+          </a:prstGeom>
+          <a:ln w="28575"/>
+        </p:spPr>
+        <p:style>
+          <a:lnRef idx="1">
+            <a:schemeClr val="accent1"/>
+          </a:lnRef>
+          <a:fillRef idx="0">
+            <a:schemeClr val="accent1"/>
+          </a:fillRef>
+          <a:effectRef idx="0">
+            <a:schemeClr val="accent1"/>
+          </a:effectRef>
+          <a:fontRef idx="minor">
+            <a:schemeClr val="tx1"/>
+          </a:fontRef>
+        </p:style>
+        <p:txBody>
+          <a:bodyPr rtlCol="0" anchor="ctr"/>
+          <a:lstStyle/>
+          <a:p>
+            <a:pPr algn="ctr"/>
+            <a:endParaRPr lang="es-CO"/>
+          </a:p>
+        </p:txBody>
+      </p:sp>
+      <p:sp>
+        <p:nvSpPr>
+          <p:cNvPr id="12" name="CuadroTexto 11"/>
+          <p:cNvSpPr txBox="1"/>
+          <p:nvPr/>
+        </p:nvSpPr>
+        <p:spPr>
+          <a:xfrm>
+            <a:off x="4769233" y="2473357"/>
+            <a:ext cx="2559868" cy="369332"/>
+          </a:xfrm>
+          <a:prstGeom prst="rect">
+            <a:avLst/>
+          </a:prstGeom>
+          <a:noFill/>
+        </p:spPr>
+        <p:txBody>
+          <a:bodyPr wrap="none" rtlCol="0">
+            <a:spAutoFit/>
+          </a:bodyPr>
+          <a:lstStyle/>
+          <a:p>
+            <a:r>
+              <a:rPr lang="es-CO" dirty="0" smtClean="0"/>
+              <a:t>Variables explicativas </a:t>
+            </a:r>
+            <a:endParaRPr lang="es-CO" dirty="0"/>
+          </a:p>
+        </p:txBody>
+      </p:sp>
+      <p:pic>
+        <p:nvPicPr>
+          <p:cNvPr id="13" name="Picture 2" descr="Resultado de imagen para icesi a otro nivel"/>
+          <p:cNvPicPr>
+            <a:picLocks noChangeAspect="1" noChangeArrowheads="1"/>
+          </p:cNvPicPr>
+          <p:nvPr/>
+        </p:nvPicPr>
+        <p:blipFill>
+          <a:blip r:embed="rId3">
+            <a:extLst>
+              <a:ext uri="{28A0092B-C50C-407E-A947-70E740481C1C}">
+                <a14:useLocalDpi xmlns:a14="http://schemas.microsoft.com/office/drawing/2010/main" val="0"/>
+              </a:ext>
+            </a:extLst>
+          </a:blip>
+          <a:srcRect/>
+          <a:stretch>
+            <a:fillRect/>
+          </a:stretch>
+        </p:blipFill>
+        <p:spPr bwMode="auto">
+          <a:xfrm>
+            <a:off x="0" y="6172200"/>
+            <a:ext cx="2484781" cy="685800"/>
+          </a:xfrm>
+          <a:prstGeom prst="rect">
+            <a:avLst/>
+          </a:prstGeom>
+          <a:noFill/>
+          <a:extLst>
+            <a:ext uri="{909E8E84-426E-40DD-AFC4-6F175D3DCCD1}">
+              <a14:hiddenFill xmlns:a14="http://schemas.microsoft.com/office/drawing/2010/main">
+                <a:solidFill>
+                  <a:srgbClr val="FFFFFF"/>
+                </a:solidFill>
+              </a14:hiddenFill>
+            </a:ext>
+          </a:extLst>
+        </p:spPr>
+      </p:pic>
+    </p:spTree>
+    <p:extLst>
+      <p:ext uri="{BB962C8B-B14F-4D97-AF65-F5344CB8AC3E}">
+        <p14:creationId xmlns:p14="http://schemas.microsoft.com/office/powerpoint/2010/main" val="2979789158"/>
+      </p:ext>
+    </p:extLst>
+  </p:cSld>
+  <p:clrMapOvr>
+    <a:masterClrMapping/>
+  </p:clrMapOvr>
+  <p:timing>
+    <p:tnLst>
+      <p:par>
+        <p:cTn id="1" dur="indefinite" restart="never" nodeType="tmRoot">
+          <p:childTnLst>
+            <p:seq concurrent="1" nextAc="seek">
+              <p:cTn id="2" dur="indefinite" nodeType="mainSeq">
+                <p:childTnLst>
+                  <p:par>
+                    <p:cTn id="3" fill="hold">
+                      <p:stCondLst>
+                        <p:cond delay="indefinite"/>
+                      </p:stCondLst>
+                      <p:childTnLst>
+                        <p:par>
+                          <p:cTn id="4" fill="hold">
+                            <p:stCondLst>
+                              <p:cond delay="0"/>
+                            </p:stCondLst>
+                            <p:childTnLst>
+                              <p:par>
+                                <p:cTn id="5" presetID="1" presetClass="entr" presetSubtype="0" fill="hold" grpId="0" nodeType="clickEffect">
+                                  <p:stCondLst>
+                                    <p:cond delay="0"/>
+                                  </p:stCondLst>
+                                  <p:childTnLst>
+                                    <p:set>
+                                      <p:cBhvr>
+                                        <p:cTn id="6" dur="1" fill="hold">
+                                          <p:stCondLst>
+                                            <p:cond delay="0"/>
+                                          </p:stCondLst>
+                                        </p:cTn>
+                                        <p:tgtEl>
+                                          <p:spTgt spid="9"/>
+                                        </p:tgtEl>
+                                        <p:attrNameLst>
+                                          <p:attrName>style.visibility</p:attrName>
+                                        </p:attrNameLst>
+                                      </p:cBhvr>
+                                      <p:to>
+                                        <p:strVal val="visible"/>
+                                      </p:to>
+                                    </p:set>
+                                  </p:childTnLst>
+                                </p:cTn>
+                              </p:par>
+                              <p:par>
+                                <p:cTn id="7" presetID="1" presetClass="entr" presetSubtype="0" fill="hold" grpId="0" nodeType="withEffect">
+                                  <p:stCondLst>
+                                    <p:cond delay="0"/>
+                                  </p:stCondLst>
+                                  <p:childTnLst>
+                                    <p:set>
+                                      <p:cBhvr>
+                                        <p:cTn id="8" dur="1" fill="hold">
+                                          <p:stCondLst>
+                                            <p:cond delay="0"/>
+                                          </p:stCondLst>
+                                        </p:cTn>
+                                        <p:tgtEl>
+                                          <p:spTgt spid="6"/>
+                                        </p:tgtEl>
+                                        <p:attrNameLst>
+                                          <p:attrName>style.visibility</p:attrName>
+                                        </p:attrNameLst>
+                                      </p:cBhvr>
+                                      <p:to>
+                                        <p:strVal val="visible"/>
+                                      </p:to>
+                                    </p:set>
+                                  </p:childTnLst>
+                                </p:cTn>
+                              </p:par>
+                              <p:par>
+                                <p:cTn id="9" presetID="1" presetClass="entr" presetSubtype="0" fill="hold" grpId="0" nodeType="withEffect">
+                                  <p:stCondLst>
+                                    <p:cond delay="0"/>
+                                  </p:stCondLst>
+                                  <p:childTnLst>
+                                    <p:set>
+                                      <p:cBhvr>
+                                        <p:cTn id="10" dur="1" fill="hold">
+                                          <p:stCondLst>
+                                            <p:cond delay="0"/>
+                                          </p:stCondLst>
+                                        </p:cTn>
+                                        <p:tgtEl>
+                                          <p:spTgt spid="11"/>
+                                        </p:tgtEl>
+                                        <p:attrNameLst>
+                                          <p:attrName>style.visibility</p:attrName>
+                                        </p:attrNameLst>
+                                      </p:cBhvr>
+                                      <p:to>
+                                        <p:strVal val="visible"/>
+                                      </p:to>
+                                    </p:set>
+                                  </p:childTnLst>
+                                </p:cTn>
+                              </p:par>
+                            </p:childTnLst>
+                          </p:cTn>
+                        </p:par>
+                      </p:childTnLst>
+                    </p:cTn>
+                  </p:par>
+                  <p:par>
+                    <p:cTn id="11" fill="hold">
+                      <p:stCondLst>
+                        <p:cond delay="indefinite"/>
+                      </p:stCondLst>
+                      <p:childTnLst>
+                        <p:par>
+                          <p:cTn id="12" fill="hold">
+                            <p:stCondLst>
+                              <p:cond delay="0"/>
+                            </p:stCondLst>
+                            <p:childTnLst>
+                              <p:par>
+                                <p:cTn id="13" presetID="1" presetClass="entr" presetSubtype="0" fill="hold" grpId="0" nodeType="clickEffect">
+                                  <p:stCondLst>
+                                    <p:cond delay="0"/>
+                                  </p:stCondLst>
+                                  <p:childTnLst>
+                                    <p:set>
+                                      <p:cBhvr>
+                                        <p:cTn id="14" dur="1" fill="hold">
+                                          <p:stCondLst>
+                                            <p:cond delay="0"/>
+                                          </p:stCondLst>
+                                        </p:cTn>
+                                        <p:tgtEl>
+                                          <p:spTgt spid="12"/>
+                                        </p:tgtEl>
+                                        <p:attrNameLst>
+                                          <p:attrName>style.visibility</p:attrName>
+                                        </p:attrNameLst>
+                                      </p:cBhvr>
+                                      <p:to>
+                                        <p:strVal val="visible"/>
+                                      </p:to>
+                                    </p:set>
+                                  </p:childTnLst>
+                                </p:cTn>
+                              </p:par>
+                            </p:childTnLst>
+                          </p:cTn>
+                        </p:par>
+                      </p:childTnLst>
+                    </p:cTn>
+                  </p:par>
+                </p:childTnLst>
+              </p:cTn>
+              <p:prevCondLst>
+                <p:cond evt="onPrev" delay="0">
+                  <p:tgtEl>
+                    <p:sldTgt/>
+                  </p:tgtEl>
+                </p:cond>
+              </p:prevCondLst>
+              <p:nextCondLst>
+                <p:cond evt="onNext" delay="0">
+                  <p:tgtEl>
+                    <p:sldTgt/>
+                  </p:tgtEl>
+                </p:cond>
+              </p:nextCondLst>
+            </p:seq>
+          </p:childTnLst>
+        </p:cTn>
+      </p:par>
+    </p:tnLst>
+    <p:bldLst>
+      <p:bldP spid="6" grpId="0" animBg="1"/>
+      <p:bldP spid="9" grpId="0"/>
+      <p:bldP spid="11" grpId="0" animBg="1"/>
+      <p:bldP spid="12" grpId="0"/>
+    </p:bldLst>
+  </p:timing>
+</p:sld>
+</file>
+
+<file path=ppt/slides/slide15.xml><?xml version="1.0" encoding="utf-8"?>
+<p:sld xmlns:a="http://schemas.openxmlformats.org/drawingml/2006/main" xmlns:r="http://schemas.openxmlformats.org/officeDocument/2006/relationships" xmlns:p="http://schemas.openxmlformats.org/presentationml/2006/main">
+  <p:cSld>
+    <p:spTree>
+      <p:nvGrpSpPr>
+        <p:cNvPr id="1" name=""/>
+        <p:cNvGrpSpPr/>
+        <p:nvPr/>
+      </p:nvGrpSpPr>
+      <p:grpSpPr>
+        <a:xfrm>
+          <a:off x="0" y="0"/>
+          <a:ext cx="0" cy="0"/>
+          <a:chOff x="0" y="0"/>
+          <a:chExt cx="0" cy="0"/>
+        </a:xfrm>
+      </p:grpSpPr>
+      <p:sp>
+        <p:nvSpPr>
+          <p:cNvPr id="3" name="Marcador de contenido 2"/>
+          <p:cNvSpPr>
+            <a:spLocks noGrp="1"/>
+          </p:cNvSpPr>
+          <p:nvPr>
+            <p:ph idx="1"/>
+          </p:nvPr>
+        </p:nvSpPr>
+        <p:spPr/>
+        <p:txBody>
+          <a:bodyPr/>
+          <a:lstStyle/>
+          <a:p>
+            <a:pPr marL="0" indent="0">
+              <a:buNone/>
+            </a:pPr>
+            <a:r>
+              <a:rPr lang="es-CO" dirty="0" smtClean="0"/>
+              <a:t>Es importante clasificar las variables ya que de este dependerá el tipo de análisis. </a:t>
+            </a:r>
+          </a:p>
+          <a:p>
+            <a:pPr marL="0" indent="0">
+              <a:buNone/>
+            </a:pPr>
+            <a:r>
+              <a:rPr lang="es-CO" b="1" dirty="0" smtClean="0"/>
+              <a:t>Tipo de dato</a:t>
+            </a:r>
+          </a:p>
+          <a:p>
+            <a:pPr lvl="1"/>
+            <a:r>
+              <a:rPr lang="es-CO" dirty="0" smtClean="0"/>
+              <a:t>Carácter</a:t>
+            </a:r>
+          </a:p>
+          <a:p>
+            <a:pPr lvl="2"/>
+            <a:r>
+              <a:rPr lang="es-CO" dirty="0" err="1" smtClean="0"/>
+              <a:t>Gender</a:t>
+            </a:r>
+            <a:endParaRPr lang="es-CO" dirty="0" smtClean="0"/>
+          </a:p>
+          <a:p>
+            <a:pPr lvl="1"/>
+            <a:r>
+              <a:rPr lang="es-CO" dirty="0" smtClean="0"/>
+              <a:t>Numérico</a:t>
+            </a:r>
+            <a:endParaRPr lang="es-CO" dirty="0"/>
+          </a:p>
+          <a:p>
+            <a:pPr lvl="2"/>
+            <a:r>
+              <a:rPr lang="es-CO" dirty="0" err="1" smtClean="0"/>
+              <a:t>Prev_Exam_Marks</a:t>
+            </a:r>
+            <a:endParaRPr lang="es-CO" dirty="0" smtClean="0"/>
+          </a:p>
+          <a:p>
+            <a:pPr lvl="2"/>
+            <a:r>
+              <a:rPr lang="es-CO" dirty="0" err="1" smtClean="0"/>
+              <a:t>Height</a:t>
+            </a:r>
+            <a:endParaRPr lang="es-CO" dirty="0"/>
+          </a:p>
+          <a:p>
+            <a:pPr lvl="2"/>
+            <a:r>
+              <a:rPr lang="es-CO" dirty="0" err="1" smtClean="0"/>
+              <a:t>Weight</a:t>
+            </a:r>
+            <a:endParaRPr lang="es-CO" dirty="0" smtClean="0"/>
+          </a:p>
+          <a:p>
+            <a:pPr lvl="2"/>
+            <a:r>
+              <a:rPr lang="es-CO" dirty="0" smtClean="0"/>
+              <a:t>Play Cricket</a:t>
+            </a:r>
+            <a:endParaRPr lang="es-CO" dirty="0"/>
+          </a:p>
+        </p:txBody>
+      </p:sp>
+      <p:sp>
+        <p:nvSpPr>
+          <p:cNvPr id="4" name="Marcador de número de diapositiva 3"/>
+          <p:cNvSpPr>
+            <a:spLocks noGrp="1"/>
+          </p:cNvSpPr>
+          <p:nvPr>
+            <p:ph type="sldNum" sz="quarter" idx="12"/>
+          </p:nvPr>
+        </p:nvSpPr>
+        <p:spPr/>
+        <p:txBody>
+          <a:bodyPr/>
+          <a:lstStyle/>
+          <a:p>
+            <a:fld id="{C5E5B3A9-79B5-4540-A326-FCC6F92DD987}" type="slidenum">
+              <a:rPr lang="es-CO" smtClean="0"/>
+              <a:t>15</a:t>
+            </a:fld>
+            <a:endParaRPr lang="es-CO"/>
+          </a:p>
+        </p:txBody>
+      </p:sp>
+      <p:sp>
+        <p:nvSpPr>
+          <p:cNvPr id="6" name="Título 1"/>
+          <p:cNvSpPr>
+            <a:spLocks noGrp="1"/>
+          </p:cNvSpPr>
+          <p:nvPr>
+            <p:ph type="title"/>
+          </p:nvPr>
+        </p:nvSpPr>
+        <p:spPr>
+          <a:xfrm>
+            <a:off x="1069848" y="484632"/>
+            <a:ext cx="10058400" cy="1609344"/>
+          </a:xfrm>
+        </p:spPr>
+        <p:txBody>
+          <a:bodyPr/>
+          <a:lstStyle/>
+          <a:p>
+            <a:r>
+              <a:rPr lang="es-CO" dirty="0"/>
+              <a:t>Tipos de variables</a:t>
+            </a:r>
+          </a:p>
+        </p:txBody>
+      </p:sp>
+      <p:pic>
+        <p:nvPicPr>
+          <p:cNvPr id="7" name="Picture 2" descr="Resultado de imagen para icesi a otro nivel"/>
+          <p:cNvPicPr>
+            <a:picLocks noChangeAspect="1" noChangeArrowheads="1"/>
+          </p:cNvPicPr>
+          <p:nvPr/>
+        </p:nvPicPr>
+        <p:blipFill>
+          <a:blip r:embed="rId2">
+            <a:extLst>
+              <a:ext uri="{28A0092B-C50C-407E-A947-70E740481C1C}">
+                <a14:useLocalDpi xmlns:a14="http://schemas.microsoft.com/office/drawing/2010/main" val="0"/>
+              </a:ext>
+            </a:extLst>
+          </a:blip>
+          <a:srcRect/>
+          <a:stretch>
+            <a:fillRect/>
+          </a:stretch>
+        </p:blipFill>
+        <p:spPr bwMode="auto">
+          <a:xfrm>
+            <a:off x="0" y="6172200"/>
+            <a:ext cx="2484781" cy="685800"/>
+          </a:xfrm>
+          <a:prstGeom prst="rect">
+            <a:avLst/>
+          </a:prstGeom>
+          <a:noFill/>
+          <a:extLst>
+            <a:ext uri="{909E8E84-426E-40DD-AFC4-6F175D3DCCD1}">
+              <a14:hiddenFill xmlns:a14="http://schemas.microsoft.com/office/drawing/2010/main">
+                <a:solidFill>
+                  <a:srgbClr val="FFFFFF"/>
+                </a:solidFill>
+              </a14:hiddenFill>
+            </a:ext>
+          </a:extLst>
+        </p:spPr>
+      </p:pic>
+      <p:pic>
+        <p:nvPicPr>
+          <p:cNvPr id="8" name="Picture 2" descr="Business Analytics, Data Exploration"/>
+          <p:cNvPicPr>
+            <a:picLocks noChangeAspect="1" noChangeArrowheads="1"/>
+          </p:cNvPicPr>
+          <p:nvPr/>
+        </p:nvPicPr>
+        <p:blipFill>
+          <a:blip r:embed="rId3">
+            <a:extLst>
+              <a:ext uri="{28A0092B-C50C-407E-A947-70E740481C1C}">
+                <a14:useLocalDpi xmlns:a14="http://schemas.microsoft.com/office/drawing/2010/main" val="0"/>
+              </a:ext>
+            </a:extLst>
+          </a:blip>
+          <a:srcRect/>
+          <a:stretch>
+            <a:fillRect/>
+          </a:stretch>
+        </p:blipFill>
+        <p:spPr bwMode="auto">
+          <a:xfrm>
+            <a:off x="7077807" y="5714961"/>
+            <a:ext cx="5002967" cy="1115645"/>
+          </a:xfrm>
+          <a:prstGeom prst="rect">
+            <a:avLst/>
+          </a:prstGeom>
+          <a:noFill/>
+          <a:extLst>
+            <a:ext uri="{909E8E84-426E-40DD-AFC4-6F175D3DCCD1}">
+              <a14:hiddenFill xmlns:a14="http://schemas.microsoft.com/office/drawing/2010/main">
+                <a:solidFill>
+                  <a:srgbClr val="FFFFFF"/>
+                </a:solidFill>
+              </a14:hiddenFill>
+            </a:ext>
+          </a:extLst>
+        </p:spPr>
+      </p:pic>
+      <p:sp>
+        <p:nvSpPr>
+          <p:cNvPr id="9" name="Marcador de contenido 2"/>
+          <p:cNvSpPr txBox="1">
+            <a:spLocks/>
+          </p:cNvSpPr>
+          <p:nvPr/>
+        </p:nvSpPr>
+        <p:spPr>
+          <a:xfrm>
+            <a:off x="4756945" y="2576146"/>
+            <a:ext cx="6436086" cy="3596054"/>
+          </a:xfrm>
+          <a:prstGeom prst="rect">
+            <a:avLst/>
+          </a:prstGeom>
+        </p:spPr>
+        <p:txBody>
+          <a:bodyPr vert="horz" lIns="91440" tIns="45720" rIns="91440" bIns="45720" rtlCol="0">
+            <a:normAutofit/>
+          </a:bodyPr>
+          <a:lstStyle>
+            <a:lvl1pPr marL="182880" indent="-182880" algn="l" defTabSz="914400" rtl="0" eaLnBrk="1" latinLnBrk="0" hangingPunct="1">
+              <a:lnSpc>
+                <a:spcPct val="90000"/>
+              </a:lnSpc>
+              <a:spcBef>
+                <a:spcPts val="1200"/>
+              </a:spcBef>
+              <a:buClr>
+                <a:schemeClr val="accent1">
+                  <a:lumMod val="75000"/>
+                </a:schemeClr>
+              </a:buClr>
+              <a:buSzPct val="85000"/>
+              <a:buFont typeface="Wingdings" pitchFamily="2" charset="2"/>
+              <a:buChar char="§"/>
+              <a:defRPr sz="2000" kern="1200">
+                <a:solidFill>
+                  <a:schemeClr val="tx1"/>
+                </a:solidFill>
+                <a:latin typeface="+mn-lt"/>
+                <a:ea typeface="+mn-ea"/>
+                <a:cs typeface="+mn-cs"/>
+              </a:defRPr>
+            </a:lvl1pPr>
+            <a:lvl2pPr marL="457200" indent="-182880" algn="l" defTabSz="914400" rtl="0" eaLnBrk="1" latinLnBrk="0" hangingPunct="1">
+              <a:lnSpc>
+                <a:spcPct val="90000"/>
+              </a:lnSpc>
+              <a:spcBef>
+                <a:spcPts val="400"/>
+              </a:spcBef>
+              <a:spcAft>
+                <a:spcPts val="200"/>
+              </a:spcAft>
+              <a:buClr>
+                <a:schemeClr val="accent1">
+                  <a:lumMod val="75000"/>
+                </a:schemeClr>
+              </a:buClr>
+              <a:buSzPct val="85000"/>
+              <a:buFont typeface="Wingdings" pitchFamily="2" charset="2"/>
+              <a:buChar char="§"/>
+              <a:defRPr sz="1800" kern="1200">
+                <a:solidFill>
+                  <a:schemeClr val="tx1"/>
+                </a:solidFill>
+                <a:latin typeface="+mn-lt"/>
+                <a:ea typeface="+mn-ea"/>
+                <a:cs typeface="+mn-cs"/>
+              </a:defRPr>
+            </a:lvl2pPr>
+            <a:lvl3pPr marL="731520" indent="-182880" algn="l" defTabSz="914400" rtl="0" eaLnBrk="1" latinLnBrk="0" hangingPunct="1">
+              <a:lnSpc>
+                <a:spcPct val="90000"/>
+              </a:lnSpc>
+              <a:spcBef>
+                <a:spcPts val="400"/>
+              </a:spcBef>
+              <a:spcAft>
+                <a:spcPts val="200"/>
+              </a:spcAft>
+              <a:buClr>
+                <a:schemeClr val="accent1">
+                  <a:lumMod val="75000"/>
+                </a:schemeClr>
+              </a:buClr>
+              <a:buSzPct val="85000"/>
+              <a:buFont typeface="Wingdings" pitchFamily="2" charset="2"/>
+              <a:buChar char="§"/>
+              <a:defRPr sz="1600" kern="1200">
+                <a:solidFill>
+                  <a:schemeClr val="tx1"/>
+                </a:solidFill>
+                <a:latin typeface="+mn-lt"/>
+                <a:ea typeface="+mn-ea"/>
+                <a:cs typeface="+mn-cs"/>
+              </a:defRPr>
+            </a:lvl3pPr>
+            <a:lvl4pPr marL="1005840" indent="-182880" algn="l" defTabSz="914400" rtl="0" eaLnBrk="1" latinLnBrk="0" hangingPunct="1">
+              <a:lnSpc>
+                <a:spcPct val="90000"/>
+              </a:lnSpc>
+              <a:spcBef>
+                <a:spcPts val="400"/>
+              </a:spcBef>
+              <a:spcAft>
+                <a:spcPts val="200"/>
+              </a:spcAft>
+              <a:buClr>
+                <a:schemeClr val="accent1">
+                  <a:lumMod val="75000"/>
+                </a:schemeClr>
+              </a:buClr>
+              <a:buSzPct val="85000"/>
+              <a:buFont typeface="Wingdings" pitchFamily="2" charset="2"/>
+              <a:buChar char="§"/>
+              <a:defRPr sz="1600" kern="1200">
+                <a:solidFill>
+                  <a:schemeClr val="tx1"/>
+                </a:solidFill>
+                <a:latin typeface="+mn-lt"/>
+                <a:ea typeface="+mn-ea"/>
+                <a:cs typeface="+mn-cs"/>
+              </a:defRPr>
+            </a:lvl4pPr>
+            <a:lvl5pPr marL="1280160" indent="-182880" algn="l" defTabSz="914400" rtl="0" eaLnBrk="1" latinLnBrk="0" hangingPunct="1">
+              <a:lnSpc>
+                <a:spcPct val="90000"/>
+              </a:lnSpc>
+              <a:spcBef>
+                <a:spcPts val="400"/>
+              </a:spcBef>
+              <a:spcAft>
+                <a:spcPts val="200"/>
+              </a:spcAft>
+              <a:buClr>
+                <a:schemeClr val="accent1">
+                  <a:lumMod val="75000"/>
+                </a:schemeClr>
+              </a:buClr>
+              <a:buSzPct val="85000"/>
+              <a:buFont typeface="Wingdings" pitchFamily="2" charset="2"/>
+              <a:buChar char="§"/>
+              <a:defRPr sz="1600" kern="1200">
+                <a:solidFill>
+                  <a:schemeClr val="tx1"/>
+                </a:solidFill>
+                <a:latin typeface="+mn-lt"/>
+                <a:ea typeface="+mn-ea"/>
+                <a:cs typeface="+mn-cs"/>
+              </a:defRPr>
+            </a:lvl5pPr>
+            <a:lvl6pPr marL="1600000" indent="-228600" algn="l" defTabSz="914400" rtl="0" eaLnBrk="1" latinLnBrk="0" hangingPunct="1">
+              <a:lnSpc>
+                <a:spcPct val="90000"/>
+              </a:lnSpc>
+              <a:spcBef>
+                <a:spcPts val="400"/>
+              </a:spcBef>
+              <a:spcAft>
+                <a:spcPts val="200"/>
+              </a:spcAft>
+              <a:buClr>
+                <a:schemeClr val="accent1">
+                  <a:lumMod val="75000"/>
+                </a:schemeClr>
+              </a:buClr>
+              <a:buSzPct val="85000"/>
+              <a:buFont typeface="Wingdings" pitchFamily="2" charset="2"/>
+              <a:buChar char="§"/>
+              <a:defRPr sz="1600" kern="1200">
+                <a:solidFill>
+                  <a:schemeClr val="tx1"/>
+                </a:solidFill>
+                <a:latin typeface="+mn-lt"/>
+                <a:ea typeface="+mn-ea"/>
+                <a:cs typeface="+mn-cs"/>
+              </a:defRPr>
+            </a:lvl6pPr>
+            <a:lvl7pPr marL="1900000" indent="-228600" algn="l" defTabSz="914400" rtl="0" eaLnBrk="1" latinLnBrk="0" hangingPunct="1">
+              <a:lnSpc>
+                <a:spcPct val="90000"/>
+              </a:lnSpc>
+              <a:spcBef>
+                <a:spcPts val="400"/>
+              </a:spcBef>
+              <a:spcAft>
+                <a:spcPts val="200"/>
+              </a:spcAft>
+              <a:buClr>
+                <a:schemeClr val="accent1">
+                  <a:lumMod val="75000"/>
+                </a:schemeClr>
+              </a:buClr>
+              <a:buSzPct val="85000"/>
+              <a:buFont typeface="Wingdings" pitchFamily="2" charset="2"/>
+              <a:buChar char="§"/>
+              <a:defRPr sz="1600" kern="1200">
+                <a:solidFill>
+                  <a:schemeClr val="tx1"/>
+                </a:solidFill>
+                <a:latin typeface="+mn-lt"/>
+                <a:ea typeface="+mn-ea"/>
+                <a:cs typeface="+mn-cs"/>
+              </a:defRPr>
+            </a:lvl7pPr>
+            <a:lvl8pPr marL="2200000" indent="-228600" algn="l" defTabSz="914400" rtl="0" eaLnBrk="1" latinLnBrk="0" hangingPunct="1">
+              <a:lnSpc>
+                <a:spcPct val="90000"/>
+              </a:lnSpc>
+              <a:spcBef>
+                <a:spcPts val="400"/>
+              </a:spcBef>
+              <a:spcAft>
+                <a:spcPts val="200"/>
+              </a:spcAft>
+              <a:buClr>
+                <a:schemeClr val="accent1">
+                  <a:lumMod val="75000"/>
+                </a:schemeClr>
+              </a:buClr>
+              <a:buSzPct val="85000"/>
+              <a:buFont typeface="Wingdings" pitchFamily="2" charset="2"/>
+              <a:buChar char="§"/>
+              <a:defRPr sz="1600" kern="1200">
+                <a:solidFill>
+                  <a:schemeClr val="tx1"/>
+                </a:solidFill>
+                <a:latin typeface="+mn-lt"/>
+                <a:ea typeface="+mn-ea"/>
+                <a:cs typeface="+mn-cs"/>
+              </a:defRPr>
+            </a:lvl8pPr>
+            <a:lvl9pPr marL="2500000" indent="-228600" algn="l" defTabSz="914400" rtl="0" eaLnBrk="1" latinLnBrk="0" hangingPunct="1">
+              <a:lnSpc>
+                <a:spcPct val="90000"/>
+              </a:lnSpc>
+              <a:spcBef>
+                <a:spcPts val="400"/>
+              </a:spcBef>
+              <a:spcAft>
+                <a:spcPts val="200"/>
+              </a:spcAft>
+              <a:buClr>
+                <a:schemeClr val="accent1">
+                  <a:lumMod val="75000"/>
+                </a:schemeClr>
+              </a:buClr>
+              <a:buSzPct val="85000"/>
+              <a:buFont typeface="Wingdings" pitchFamily="2" charset="2"/>
+              <a:buChar char="§"/>
+              <a:defRPr sz="1600" kern="1200">
+                <a:solidFill>
+                  <a:schemeClr val="tx1"/>
+                </a:solidFill>
+                <a:latin typeface="+mn-lt"/>
+                <a:ea typeface="+mn-ea"/>
+                <a:cs typeface="+mn-cs"/>
+              </a:defRPr>
+            </a:lvl9pPr>
+          </a:lstStyle>
+          <a:p>
+            <a:pPr marL="0" indent="0">
+              <a:buFont typeface="Wingdings" pitchFamily="2" charset="2"/>
+              <a:buNone/>
+            </a:pPr>
+            <a:r>
+              <a:rPr lang="es-CO" b="1" dirty="0" smtClean="0"/>
+              <a:t>Tipo de variable</a:t>
+            </a:r>
+          </a:p>
+          <a:p>
+            <a:pPr lvl="1"/>
+            <a:r>
+              <a:rPr lang="es-CO" dirty="0" smtClean="0"/>
+              <a:t>Cualitativa</a:t>
+            </a:r>
+          </a:p>
+          <a:p>
+            <a:pPr lvl="2"/>
+            <a:r>
+              <a:rPr lang="es-CO" dirty="0" err="1" smtClean="0"/>
+              <a:t>Gender</a:t>
+            </a:r>
+            <a:endParaRPr lang="es-CO" dirty="0" smtClean="0"/>
+          </a:p>
+          <a:p>
+            <a:pPr lvl="2"/>
+            <a:r>
+              <a:rPr lang="es-CO" dirty="0" smtClean="0"/>
+              <a:t>Play Cricket</a:t>
+            </a:r>
+          </a:p>
+          <a:p>
+            <a:pPr lvl="1"/>
+            <a:r>
+              <a:rPr lang="es-CO" dirty="0" smtClean="0"/>
+              <a:t>Cuantitativa</a:t>
+            </a:r>
+          </a:p>
+          <a:p>
+            <a:pPr lvl="2"/>
+            <a:r>
+              <a:rPr lang="es-CO" dirty="0" err="1" smtClean="0"/>
+              <a:t>Prev_Exam_Marks</a:t>
+            </a:r>
+            <a:endParaRPr lang="es-CO" dirty="0" smtClean="0"/>
+          </a:p>
+          <a:p>
+            <a:pPr lvl="2"/>
+            <a:r>
+              <a:rPr lang="es-CO" dirty="0" err="1" smtClean="0"/>
+              <a:t>Height</a:t>
+            </a:r>
+            <a:endParaRPr lang="es-CO" dirty="0" smtClean="0"/>
+          </a:p>
+          <a:p>
+            <a:pPr lvl="2"/>
+            <a:r>
+              <a:rPr lang="es-CO" dirty="0" err="1" smtClean="0"/>
+              <a:t>Weight</a:t>
+            </a:r>
+            <a:endParaRPr lang="es-CO" dirty="0"/>
+          </a:p>
+        </p:txBody>
+      </p:sp>
+    </p:spTree>
+    <p:extLst>
+      <p:ext uri="{BB962C8B-B14F-4D97-AF65-F5344CB8AC3E}">
+        <p14:creationId xmlns:p14="http://schemas.microsoft.com/office/powerpoint/2010/main" val="3364700588"/>
+      </p:ext>
+    </p:extLst>
+  </p:cSld>
+  <p:clrMapOvr>
+    <a:masterClrMapping/>
+  </p:clrMapOvr>
+  <p:timing>
+    <p:tnLst>
+      <p:par>
+        <p:cTn id="1" dur="indefinite" restart="never" nodeType="tmRoot">
+          <p:childTnLst>
+            <p:seq concurrent="1" nextAc="seek">
+              <p:cTn id="2" dur="indefinite" nodeType="mainSeq">
+                <p:childTnLst>
+                  <p:par>
+                    <p:cTn id="3" fill="hold">
+                      <p:stCondLst>
+                        <p:cond delay="indefinite"/>
+                      </p:stCondLst>
+                      <p:childTnLst>
+                        <p:par>
+                          <p:cTn id="4" fill="hold">
+                            <p:stCondLst>
+                              <p:cond delay="0"/>
+                            </p:stCondLst>
+                            <p:childTnLst>
+                              <p:par>
+                                <p:cTn id="5" presetID="1" presetClass="entr" presetSubtype="0" fill="hold" nodeType="clickEffect">
+                                  <p:stCondLst>
+                                    <p:cond delay="0"/>
+                                  </p:stCondLst>
+                                  <p:childTnLst>
+                                    <p:set>
+                                      <p:cBhvr>
+                                        <p:cTn id="6" dur="1" fill="hold">
+                                          <p:stCondLst>
+                                            <p:cond delay="0"/>
+                                          </p:stCondLst>
+                                        </p:cTn>
+                                        <p:tgtEl>
+                                          <p:spTgt spid="3">
+                                            <p:txEl>
+                                              <p:pRg st="3" end="3"/>
+                                            </p:txEl>
+                                          </p:spTgt>
+                                        </p:tgtEl>
+                                        <p:attrNameLst>
+                                          <p:attrName>style.visibility</p:attrName>
+                                        </p:attrNameLst>
+                                      </p:cBhvr>
+                                      <p:to>
+                                        <p:strVal val="visible"/>
+                                      </p:to>
+                                    </p:set>
+                                  </p:childTnLst>
+                                </p:cTn>
+                              </p:par>
+                            </p:childTnLst>
+                          </p:cTn>
+                        </p:par>
+                      </p:childTnLst>
+                    </p:cTn>
+                  </p:par>
+                  <p:par>
+                    <p:cTn id="7" fill="hold">
+                      <p:stCondLst>
+                        <p:cond delay="indefinite"/>
+                      </p:stCondLst>
+                      <p:childTnLst>
+                        <p:par>
+                          <p:cTn id="8" fill="hold">
+                            <p:stCondLst>
+                              <p:cond delay="0"/>
+                            </p:stCondLst>
+                            <p:childTnLst>
+                              <p:par>
+                                <p:cTn id="9" presetID="1" presetClass="entr" presetSubtype="0" fill="hold" nodeType="clickEffect">
+                                  <p:stCondLst>
+                                    <p:cond delay="0"/>
+                                  </p:stCondLst>
+                                  <p:childTnLst>
+                                    <p:set>
+                                      <p:cBhvr>
+                                        <p:cTn id="10" dur="1" fill="hold">
+                                          <p:stCondLst>
+                                            <p:cond delay="0"/>
+                                          </p:stCondLst>
+                                        </p:cTn>
+                                        <p:tgtEl>
+                                          <p:spTgt spid="3">
+                                            <p:txEl>
+                                              <p:pRg st="5" end="5"/>
+                                            </p:txEl>
+                                          </p:spTgt>
+                                        </p:tgtEl>
+                                        <p:attrNameLst>
+                                          <p:attrName>style.visibility</p:attrName>
+                                        </p:attrNameLst>
+                                      </p:cBhvr>
+                                      <p:to>
+                                        <p:strVal val="visible"/>
+                                      </p:to>
+                                    </p:set>
+                                  </p:childTnLst>
+                                </p:cTn>
+                              </p:par>
+                              <p:par>
+                                <p:cTn id="11" presetID="1" presetClass="entr" presetSubtype="0" fill="hold" nodeType="withEffect">
+                                  <p:stCondLst>
+                                    <p:cond delay="0"/>
+                                  </p:stCondLst>
+                                  <p:childTnLst>
+                                    <p:set>
+                                      <p:cBhvr>
+                                        <p:cTn id="12" dur="1" fill="hold">
+                                          <p:stCondLst>
+                                            <p:cond delay="0"/>
+                                          </p:stCondLst>
+                                        </p:cTn>
+                                        <p:tgtEl>
+                                          <p:spTgt spid="3">
+                                            <p:txEl>
+                                              <p:pRg st="6" end="6"/>
+                                            </p:txEl>
+                                          </p:spTgt>
+                                        </p:tgtEl>
+                                        <p:attrNameLst>
+                                          <p:attrName>style.visibility</p:attrName>
+                                        </p:attrNameLst>
+                                      </p:cBhvr>
+                                      <p:to>
+                                        <p:strVal val="visible"/>
+                                      </p:to>
+                                    </p:set>
+                                  </p:childTnLst>
+                                </p:cTn>
+                              </p:par>
+                              <p:par>
+                                <p:cTn id="13" presetID="1" presetClass="entr" presetSubtype="0" fill="hold" nodeType="withEffect">
+                                  <p:stCondLst>
+                                    <p:cond delay="0"/>
+                                  </p:stCondLst>
+                                  <p:childTnLst>
+                                    <p:set>
+                                      <p:cBhvr>
+                                        <p:cTn id="14" dur="1" fill="hold">
+                                          <p:stCondLst>
+                                            <p:cond delay="0"/>
+                                          </p:stCondLst>
+                                        </p:cTn>
+                                        <p:tgtEl>
+                                          <p:spTgt spid="3">
+                                            <p:txEl>
+                                              <p:pRg st="7" end="7"/>
+                                            </p:txEl>
+                                          </p:spTgt>
+                                        </p:tgtEl>
+                                        <p:attrNameLst>
+                                          <p:attrName>style.visibility</p:attrName>
+                                        </p:attrNameLst>
+                                      </p:cBhvr>
+                                      <p:to>
+                                        <p:strVal val="visible"/>
+                                      </p:to>
+                                    </p:set>
+                                  </p:childTnLst>
+                                </p:cTn>
+                              </p:par>
+                              <p:par>
+                                <p:cTn id="15" presetID="1" presetClass="entr" presetSubtype="0" fill="hold" nodeType="withEffect">
+                                  <p:stCondLst>
+                                    <p:cond delay="0"/>
+                                  </p:stCondLst>
+                                  <p:childTnLst>
+                                    <p:set>
+                                      <p:cBhvr>
+                                        <p:cTn id="16" dur="1" fill="hold">
+                                          <p:stCondLst>
+                                            <p:cond delay="0"/>
+                                          </p:stCondLst>
+                                        </p:cTn>
+                                        <p:tgtEl>
+                                          <p:spTgt spid="3">
+                                            <p:txEl>
+                                              <p:pRg st="8" end="8"/>
+                                            </p:txEl>
+                                          </p:spTgt>
+                                        </p:tgtEl>
+                                        <p:attrNameLst>
+                                          <p:attrName>style.visibility</p:attrName>
+                                        </p:attrNameLst>
+                                      </p:cBhvr>
+                                      <p:to>
+                                        <p:strVal val="visible"/>
+                                      </p:to>
+                                    </p:set>
+                                  </p:childTnLst>
+                                </p:cTn>
+                              </p:par>
+                            </p:childTnLst>
+                          </p:cTn>
+                        </p:par>
+                      </p:childTnLst>
+                    </p:cTn>
+                  </p:par>
+                  <p:par>
+                    <p:cTn id="17" fill="hold">
+                      <p:stCondLst>
+                        <p:cond delay="indefinite"/>
+                      </p:stCondLst>
+                      <p:childTnLst>
+                        <p:par>
+                          <p:cTn id="18" fill="hold">
+                            <p:stCondLst>
+                              <p:cond delay="0"/>
+                            </p:stCondLst>
+                            <p:childTnLst>
+                              <p:par>
+                                <p:cTn id="19" presetID="1" presetClass="entr" presetSubtype="0" fill="hold" nodeType="clickEffect">
+                                  <p:stCondLst>
+                                    <p:cond delay="0"/>
+                                  </p:stCondLst>
+                                  <p:childTnLst>
+                                    <p:set>
+                                      <p:cBhvr>
+                                        <p:cTn id="20" dur="1" fill="hold">
+                                          <p:stCondLst>
+                                            <p:cond delay="0"/>
+                                          </p:stCondLst>
+                                        </p:cTn>
+                                        <p:tgtEl>
+                                          <p:spTgt spid="9">
+                                            <p:txEl>
+                                              <p:pRg st="2" end="2"/>
+                                            </p:txEl>
+                                          </p:spTgt>
+                                        </p:tgtEl>
+                                        <p:attrNameLst>
+                                          <p:attrName>style.visibility</p:attrName>
+                                        </p:attrNameLst>
+                                      </p:cBhvr>
+                                      <p:to>
+                                        <p:strVal val="visible"/>
+                                      </p:to>
+                                    </p:set>
+                                  </p:childTnLst>
+                                </p:cTn>
+                              </p:par>
+                              <p:par>
+                                <p:cTn id="21" presetID="1" presetClass="entr" presetSubtype="0" fill="hold" nodeType="withEffect">
+                                  <p:stCondLst>
+                                    <p:cond delay="0"/>
+                                  </p:stCondLst>
+                                  <p:childTnLst>
+                                    <p:set>
+                                      <p:cBhvr>
+                                        <p:cTn id="22" dur="1" fill="hold">
+                                          <p:stCondLst>
+                                            <p:cond delay="0"/>
+                                          </p:stCondLst>
+                                        </p:cTn>
+                                        <p:tgtEl>
+                                          <p:spTgt spid="9">
+                                            <p:txEl>
+                                              <p:pRg st="3" end="3"/>
+                                            </p:txEl>
+                                          </p:spTgt>
+                                        </p:tgtEl>
+                                        <p:attrNameLst>
+                                          <p:attrName>style.visibility</p:attrName>
+                                        </p:attrNameLst>
+                                      </p:cBhvr>
+                                      <p:to>
+                                        <p:strVal val="visible"/>
+                                      </p:to>
+                                    </p:set>
+                                  </p:childTnLst>
+                                </p:cTn>
+                              </p:par>
+                            </p:childTnLst>
+                          </p:cTn>
+                        </p:par>
+                      </p:childTnLst>
+                    </p:cTn>
+                  </p:par>
+                  <p:par>
+                    <p:cTn id="23" fill="hold">
+                      <p:stCondLst>
+                        <p:cond delay="indefinite"/>
+                      </p:stCondLst>
+                      <p:childTnLst>
+                        <p:par>
+                          <p:cTn id="24" fill="hold">
+                            <p:stCondLst>
+                              <p:cond delay="0"/>
+                            </p:stCondLst>
+                            <p:childTnLst>
+                              <p:par>
+                                <p:cTn id="25" presetID="1" presetClass="entr" presetSubtype="0" fill="hold" nodeType="clickEffect">
+                                  <p:stCondLst>
+                                    <p:cond delay="0"/>
+                                  </p:stCondLst>
+                                  <p:childTnLst>
+                                    <p:set>
+                                      <p:cBhvr>
+                                        <p:cTn id="26" dur="1" fill="hold">
+                                          <p:stCondLst>
+                                            <p:cond delay="0"/>
+                                          </p:stCondLst>
+                                        </p:cTn>
+                                        <p:tgtEl>
+                                          <p:spTgt spid="9">
+                                            <p:txEl>
+                                              <p:pRg st="5" end="5"/>
+                                            </p:txEl>
+                                          </p:spTgt>
+                                        </p:tgtEl>
+                                        <p:attrNameLst>
+                                          <p:attrName>style.visibility</p:attrName>
+                                        </p:attrNameLst>
+                                      </p:cBhvr>
+                                      <p:to>
+                                        <p:strVal val="visible"/>
+                                      </p:to>
+                                    </p:set>
+                                  </p:childTnLst>
+                                </p:cTn>
+                              </p:par>
+                              <p:par>
+                                <p:cTn id="27" presetID="1" presetClass="entr" presetSubtype="0" fill="hold" nodeType="withEffect">
+                                  <p:stCondLst>
+                                    <p:cond delay="0"/>
+                                  </p:stCondLst>
+                                  <p:childTnLst>
+                                    <p:set>
+                                      <p:cBhvr>
+                                        <p:cTn id="28" dur="1" fill="hold">
+                                          <p:stCondLst>
+                                            <p:cond delay="0"/>
+                                          </p:stCondLst>
+                                        </p:cTn>
+                                        <p:tgtEl>
+                                          <p:spTgt spid="9">
+                                            <p:txEl>
+                                              <p:pRg st="6" end="6"/>
+                                            </p:txEl>
+                                          </p:spTgt>
+                                        </p:tgtEl>
+                                        <p:attrNameLst>
+                                          <p:attrName>style.visibility</p:attrName>
+                                        </p:attrNameLst>
+                                      </p:cBhvr>
+                                      <p:to>
+                                        <p:strVal val="visible"/>
+                                      </p:to>
+                                    </p:set>
+                                  </p:childTnLst>
+                                </p:cTn>
+                              </p:par>
+                              <p:par>
+                                <p:cTn id="29" presetID="1" presetClass="entr" presetSubtype="0" fill="hold" nodeType="withEffect">
+                                  <p:stCondLst>
+                                    <p:cond delay="0"/>
+                                  </p:stCondLst>
+                                  <p:childTnLst>
+                                    <p:set>
+                                      <p:cBhvr>
+                                        <p:cTn id="30" dur="1" fill="hold">
+                                          <p:stCondLst>
+                                            <p:cond delay="0"/>
+                                          </p:stCondLst>
+                                        </p:cTn>
+                                        <p:tgtEl>
+                                          <p:spTgt spid="9">
+                                            <p:txEl>
+                                              <p:pRg st="7" end="7"/>
+                                            </p:txEl>
+                                          </p:spTgt>
+                                        </p:tgtEl>
+                                        <p:attrNameLst>
+                                          <p:attrName>style.visibility</p:attrName>
+                                        </p:attrNameLst>
+                                      </p:cBhvr>
+                                      <p:to>
+                                        <p:strVal val="visible"/>
+                                      </p:to>
+                                    </p:set>
+                                  </p:childTnLst>
+                                </p:cTn>
+                              </p:par>
+                            </p:childTnLst>
+                          </p:cTn>
+                        </p:par>
+                      </p:childTnLst>
+                    </p:cTn>
+                  </p:par>
+                </p:childTnLst>
+              </p:cTn>
+              <p:prevCondLst>
+                <p:cond evt="onPrev" delay="0">
+                  <p:tgtEl>
+                    <p:sldTgt/>
+                  </p:tgtEl>
+                </p:cond>
+              </p:prevCondLst>
+              <p:nextCondLst>
+                <p:cond evt="onNext" delay="0">
+                  <p:tgtEl>
+                    <p:sldTgt/>
+                  </p:tgtEl>
+                </p:cond>
+              </p:nextCondLst>
+            </p:seq>
+          </p:childTnLst>
+        </p:cTn>
+      </p:par>
+    </p:tnLst>
+  </p:timing>
+</p:sld>
+</file>
+
+<file path=ppt/slides/slide16.xml><?xml version="1.0" encoding="utf-8"?>
+<p:sld xmlns:a="http://schemas.openxmlformats.org/drawingml/2006/main" xmlns:r="http://schemas.openxmlformats.org/officeDocument/2006/relationships" xmlns:p="http://schemas.openxmlformats.org/presentationml/2006/main">
+  <p:cSld>
+    <p:spTree>
+      <p:nvGrpSpPr>
+        <p:cNvPr id="1" name=""/>
+        <p:cNvGrpSpPr/>
+        <p:nvPr/>
+      </p:nvGrpSpPr>
+      <p:grpSpPr>
+        <a:xfrm>
+          <a:off x="0" y="0"/>
+          <a:ext cx="0" cy="0"/>
+          <a:chOff x="0" y="0"/>
+          <a:chExt cx="0" cy="0"/>
+        </a:xfrm>
+      </p:grpSpPr>
+      <p:sp>
+        <p:nvSpPr>
+          <p:cNvPr id="2" name="Título 1"/>
+          <p:cNvSpPr>
+            <a:spLocks noGrp="1"/>
+          </p:cNvSpPr>
+          <p:nvPr>
+            <p:ph type="title"/>
+          </p:nvPr>
+        </p:nvSpPr>
+        <p:spPr/>
+        <p:txBody>
+          <a:bodyPr/>
+          <a:lstStyle/>
+          <a:p>
+            <a:r>
+              <a:rPr lang="es-CO" dirty="0" err="1" smtClean="0"/>
+              <a:t>Exploratory</a:t>
+            </a:r>
+            <a:r>
+              <a:rPr lang="es-CO" dirty="0" smtClean="0"/>
+              <a:t> data </a:t>
+            </a:r>
+            <a:r>
+              <a:rPr lang="es-CO" dirty="0" err="1" smtClean="0"/>
+              <a:t>analysis</a:t>
+            </a:r>
+            <a:r>
+              <a:rPr lang="es-CO" dirty="0" smtClean="0"/>
+              <a:t>	</a:t>
             </a:r>
             <a:endParaRPr lang="es-CO" dirty="0"/>
           </a:p>
@@ -9270,75 +11314,17 @@
           <a:lstStyle/>
           <a:p>
             <a:r>
-              <a:rPr lang="en-US" dirty="0"/>
-              <a:t>Lutz, M. (2013). </a:t>
-            </a:r>
-            <a:r>
-              <a:rPr lang="en-US" i="1" dirty="0"/>
-              <a:t>Learning Python: Powerful Object-Oriented Programming</a:t>
-            </a:r>
-            <a:r>
-              <a:rPr lang="en-US" dirty="0"/>
-              <a:t>. " O'Reilly Media, Inc</a:t>
-            </a:r>
-            <a:r>
-              <a:rPr lang="en-US" dirty="0" smtClean="0"/>
-              <a:t>.".</a:t>
-            </a:r>
-          </a:p>
-          <a:p>
-            <a:r>
-              <a:rPr lang="en-US" dirty="0" smtClean="0"/>
-              <a:t>Villegas, N. &amp; Estrada, D. </a:t>
-            </a:r>
-            <a:r>
-              <a:rPr lang="en-US" dirty="0" err="1" smtClean="0"/>
-              <a:t>Introducción</a:t>
-            </a:r>
-            <a:r>
-              <a:rPr lang="en-US" dirty="0" smtClean="0"/>
-              <a:t> al </a:t>
-            </a:r>
-            <a:r>
-              <a:rPr lang="en-US" dirty="0" err="1" smtClean="0"/>
-              <a:t>análisis</a:t>
-            </a:r>
-            <a:r>
-              <a:rPr lang="en-US" dirty="0" smtClean="0"/>
-              <a:t> </a:t>
-            </a:r>
-            <a:r>
-              <a:rPr lang="en-US" dirty="0" err="1" smtClean="0"/>
-              <a:t>exploratorio</a:t>
-            </a:r>
-            <a:r>
-              <a:rPr lang="en-US" dirty="0" smtClean="0"/>
-              <a:t>. </a:t>
-            </a:r>
-            <a:r>
-              <a:rPr lang="en-US" dirty="0" err="1" smtClean="0"/>
-              <a:t>Diplomado</a:t>
-            </a:r>
-            <a:r>
-              <a:rPr lang="en-US" dirty="0" smtClean="0"/>
-              <a:t> </a:t>
-            </a:r>
-            <a:r>
-              <a:rPr lang="en-US" dirty="0" err="1" smtClean="0"/>
-              <a:t>en</a:t>
-            </a:r>
-            <a:r>
-              <a:rPr lang="en-US" dirty="0" smtClean="0"/>
-              <a:t> </a:t>
-            </a:r>
-            <a:r>
-              <a:rPr lang="es-CO" dirty="0" smtClean="0"/>
-              <a:t>analítica y grandes volúmenes de datos.</a:t>
-            </a:r>
-            <a:r>
-              <a:rPr lang="en-US" dirty="0" smtClean="0"/>
-              <a:t> </a:t>
-            </a:r>
+              <a:rPr lang="es-CO" sz="2400" dirty="0" smtClean="0"/>
+              <a:t>Correspondencia entre el tipo de variable y el asignado en el diccionario</a:t>
+            </a:r>
+          </a:p>
+          <a:p>
+            <a:endParaRPr lang="es-CO" sz="2400" dirty="0" smtClean="0"/>
+          </a:p>
+          <a:p>
+            <a:pPr marL="0" indent="0">
+              <a:buNone/>
+            </a:pPr>
             <a:endParaRPr lang="es-CO" dirty="0"/>
           </a:p>
         </p:txBody>
@@ -9360,7 +11346,220 @@
           <a:p>
             <a:fld id="{C5E5B3A9-79B5-4540-A326-FCC6F92DD987}" type="slidenum">
               <a:rPr lang="es-CO" smtClean="0"/>
-              <a:t>12</a:t>
+              <a:t>16</a:t>
+            </a:fld>
+            <a:endParaRPr lang="es-CO"/>
+          </a:p>
+        </p:txBody>
+      </p:sp>
+      <p:pic>
+        <p:nvPicPr>
+          <p:cNvPr id="5" name="Picture 2" descr="Resultado de imagen para icesi a otro nivel"/>
+          <p:cNvPicPr>
+            <a:picLocks noChangeAspect="1" noChangeArrowheads="1"/>
+          </p:cNvPicPr>
+          <p:nvPr/>
+        </p:nvPicPr>
+        <p:blipFill>
+          <a:blip r:embed="rId2">
+            <a:extLst>
+              <a:ext uri="{28A0092B-C50C-407E-A947-70E740481C1C}">
+                <a14:useLocalDpi xmlns:a14="http://schemas.microsoft.com/office/drawing/2010/main" val="0"/>
+              </a:ext>
+            </a:extLst>
+          </a:blip>
+          <a:srcRect/>
+          <a:stretch>
+            <a:fillRect/>
+          </a:stretch>
+        </p:blipFill>
+        <p:spPr bwMode="auto">
+          <a:xfrm>
+            <a:off x="0" y="6112446"/>
+            <a:ext cx="2484781" cy="685800"/>
+          </a:xfrm>
+          <a:prstGeom prst="rect">
+            <a:avLst/>
+          </a:prstGeom>
+          <a:noFill/>
+          <a:extLst>
+            <a:ext uri="{909E8E84-426E-40DD-AFC4-6F175D3DCCD1}">
+              <a14:hiddenFill xmlns:a14="http://schemas.microsoft.com/office/drawing/2010/main">
+                <a:solidFill>
+                  <a:srgbClr val="FFFFFF"/>
+                </a:solidFill>
+              </a14:hiddenFill>
+            </a:ext>
+          </a:extLst>
+        </p:spPr>
+      </p:pic>
+    </p:spTree>
+    <p:extLst>
+      <p:ext uri="{BB962C8B-B14F-4D97-AF65-F5344CB8AC3E}">
+        <p14:creationId xmlns:p14="http://schemas.microsoft.com/office/powerpoint/2010/main" val="640106926"/>
+      </p:ext>
+    </p:extLst>
+  </p:cSld>
+  <p:clrMapOvr>
+    <a:masterClrMapping/>
+  </p:clrMapOvr>
+  <p:timing>
+    <p:tnLst>
+      <p:par>
+        <p:cTn id="1" dur="indefinite" restart="never" nodeType="tmRoot"/>
+      </p:par>
+    </p:tnLst>
+  </p:timing>
+</p:sld>
+</file>
+
+<file path=ppt/slides/slide17.xml><?xml version="1.0" encoding="utf-8"?>
+<p:sld xmlns:a="http://schemas.openxmlformats.org/drawingml/2006/main" xmlns:r="http://schemas.openxmlformats.org/officeDocument/2006/relationships" xmlns:p="http://schemas.openxmlformats.org/presentationml/2006/main">
+  <p:cSld>
+    <p:spTree>
+      <p:nvGrpSpPr>
+        <p:cNvPr id="1" name=""/>
+        <p:cNvGrpSpPr/>
+        <p:nvPr/>
+      </p:nvGrpSpPr>
+      <p:grpSpPr>
+        <a:xfrm>
+          <a:off x="0" y="0"/>
+          <a:ext cx="0" cy="0"/>
+          <a:chOff x="0" y="0"/>
+          <a:chExt cx="0" cy="0"/>
+        </a:xfrm>
+      </p:grpSpPr>
+      <p:sp>
+        <p:nvSpPr>
+          <p:cNvPr id="2" name="Título 1"/>
+          <p:cNvSpPr>
+            <a:spLocks noGrp="1"/>
+          </p:cNvSpPr>
+          <p:nvPr>
+            <p:ph type="title"/>
+          </p:nvPr>
+        </p:nvSpPr>
+        <p:spPr/>
+        <p:txBody>
+          <a:bodyPr/>
+          <a:lstStyle/>
+          <a:p>
+            <a:r>
+              <a:rPr lang="es-CO" dirty="0" smtClean="0"/>
+              <a:t>Bibliografía</a:t>
+            </a:r>
+            <a:endParaRPr lang="es-CO" dirty="0"/>
+          </a:p>
+        </p:txBody>
+      </p:sp>
+      <p:sp>
+        <p:nvSpPr>
+          <p:cNvPr id="3" name="Marcador de contenido 2"/>
+          <p:cNvSpPr>
+            <a:spLocks noGrp="1"/>
+          </p:cNvSpPr>
+          <p:nvPr>
+            <p:ph idx="1"/>
+          </p:nvPr>
+        </p:nvSpPr>
+        <p:spPr/>
+        <p:txBody>
+          <a:bodyPr/>
+          <a:lstStyle/>
+          <a:p>
+            <a:r>
+              <a:rPr lang="en-US" dirty="0"/>
+              <a:t>Lutz, M. (2013). </a:t>
+            </a:r>
+            <a:r>
+              <a:rPr lang="en-US" i="1" dirty="0"/>
+              <a:t>Learning Python: Powerful Object-Oriented Programming</a:t>
+            </a:r>
+            <a:r>
+              <a:rPr lang="en-US" dirty="0"/>
+              <a:t>. " O'Reilly Media, Inc</a:t>
+            </a:r>
+            <a:r>
+              <a:rPr lang="en-US" dirty="0" smtClean="0"/>
+              <a:t>.".</a:t>
+            </a:r>
+          </a:p>
+          <a:p>
+            <a:r>
+              <a:rPr lang="en-US" dirty="0" smtClean="0"/>
+              <a:t>Villegas, N. &amp; Estrada, D. </a:t>
+            </a:r>
+            <a:r>
+              <a:rPr lang="en-US" dirty="0" err="1" smtClean="0"/>
+              <a:t>Introducción</a:t>
+            </a:r>
+            <a:r>
+              <a:rPr lang="en-US" dirty="0" smtClean="0"/>
+              <a:t> al </a:t>
+            </a:r>
+            <a:r>
+              <a:rPr lang="en-US" dirty="0" err="1" smtClean="0"/>
+              <a:t>análisis</a:t>
+            </a:r>
+            <a:r>
+              <a:rPr lang="en-US" dirty="0" smtClean="0"/>
+              <a:t> </a:t>
+            </a:r>
+            <a:r>
+              <a:rPr lang="en-US" dirty="0" err="1" smtClean="0"/>
+              <a:t>exploratorio</a:t>
+            </a:r>
+            <a:r>
+              <a:rPr lang="en-US" dirty="0" smtClean="0"/>
+              <a:t>. </a:t>
+            </a:r>
+            <a:r>
+              <a:rPr lang="en-US" dirty="0" err="1" smtClean="0"/>
+              <a:t>Diplomado</a:t>
+            </a:r>
+            <a:r>
+              <a:rPr lang="en-US" dirty="0" smtClean="0"/>
+              <a:t> </a:t>
+            </a:r>
+            <a:r>
+              <a:rPr lang="en-US" dirty="0" err="1" smtClean="0"/>
+              <a:t>en</a:t>
+            </a:r>
+            <a:r>
+              <a:rPr lang="en-US" dirty="0" smtClean="0"/>
+              <a:t> </a:t>
+            </a:r>
+            <a:r>
+              <a:rPr lang="es-CO" dirty="0" smtClean="0"/>
+              <a:t>analítica y grandes volúmenes de datos.</a:t>
+            </a:r>
+            <a:r>
+              <a:rPr lang="en-US" dirty="0" smtClean="0"/>
+              <a:t> </a:t>
+            </a:r>
+            <a:endParaRPr lang="es-CO" dirty="0"/>
+          </a:p>
+        </p:txBody>
+      </p:sp>
+      <p:sp>
+        <p:nvSpPr>
+          <p:cNvPr id="4" name="Marcador de número de diapositiva 3"/>
+          <p:cNvSpPr>
+            <a:spLocks noGrp="1"/>
+          </p:cNvSpPr>
+          <p:nvPr>
+            <p:ph type="sldNum" sz="quarter" idx="12"/>
+          </p:nvPr>
+        </p:nvSpPr>
+        <p:spPr/>
+        <p:txBody>
+          <a:bodyPr/>
+          <a:lstStyle/>
+          <a:p>
+            <a:fld id="{C5E5B3A9-79B5-4540-A326-FCC6F92DD987}" type="slidenum">
+              <a:rPr lang="es-CO" smtClean="0"/>
+              <a:t>17</a:t>
             </a:fld>
             <a:endParaRPr lang="es-CO"/>
           </a:p>
@@ -10743,25 +12942,6 @@
           <a:chExt cx="0" cy="0"/>
         </a:xfrm>
       </p:grpSpPr>
-      <p:sp>
-        <p:nvSpPr>
-          <p:cNvPr id="3" name="Marcador de contenido 2"/>
-          <p:cNvSpPr>
-            <a:spLocks noGrp="1"/>
-          </p:cNvSpPr>
-          <p:nvPr>
-            <p:ph idx="1"/>
-          </p:nvPr>
-        </p:nvSpPr>
-        <p:spPr/>
-        <p:txBody>
-          <a:bodyPr/>
-          <a:lstStyle/>
-          <a:p>
-            <a:endParaRPr lang="es-CO" dirty="0"/>
-          </a:p>
-        </p:txBody>
-      </p:sp>
       <p:sp>
         <p:nvSpPr>
           <p:cNvPr id="4" name="Marcador de número de diapositiva 3"/>

--- a/My Courses/Data Science/EDA.pptx
+++ b/My Courses/Data Science/EDA.pptx
@@ -5,7 +5,7 @@
     <p:sldMasterId id="2147483678" r:id="rId1"/>
   </p:sldMasterIdLst>
   <p:notesMasterIdLst>
-    <p:notesMasterId r:id="rId19"/>
+    <p:notesMasterId r:id="rId18"/>
   </p:notesMasterIdLst>
   <p:sldIdLst>
     <p:sldId id="256" r:id="rId2"/>
@@ -23,8 +23,7 @@
     <p:sldId id="340" r:id="rId14"/>
     <p:sldId id="341" r:id="rId15"/>
     <p:sldId id="342" r:id="rId16"/>
-    <p:sldId id="336" r:id="rId17"/>
-    <p:sldId id="324" r:id="rId18"/>
+    <p:sldId id="324" r:id="rId17"/>
   </p:sldIdLst>
   <p:sldSz cx="12192000" cy="6858000"/>
   <p:notesSz cx="6858000" cy="9144000"/>
@@ -143,7 +142,6 @@
             <p14:sldId id="340"/>
             <p14:sldId id="341"/>
             <p14:sldId id="342"/>
-            <p14:sldId id="336"/>
             <p14:sldId id="324"/>
           </p14:sldIdLst>
         </p14:section>
@@ -1086,10 +1084,9 @@
         <a:lstStyle/>
         <a:p>
           <a:r>
-            <a:rPr lang="es-ES" dirty="0" smtClean="0"/>
+            <a:rPr lang="es-ES" dirty="0"/>
             <a:t>Defina y determine los tipos de problemas</a:t>
           </a:r>
-          <a:endParaRPr lang="es-ES" dirty="0"/>
         </a:p>
       </dgm:t>
     </dgm:pt>
@@ -1123,10 +1120,9 @@
         <a:lstStyle/>
         <a:p>
           <a:r>
-            <a:rPr lang="es-ES" dirty="0" smtClean="0"/>
+            <a:rPr lang="es-ES" dirty="0"/>
             <a:t>Buscar e identificar los problemas</a:t>
           </a:r>
-          <a:endParaRPr lang="es-ES" dirty="0"/>
         </a:p>
       </dgm:t>
     </dgm:pt>
@@ -1160,10 +1156,9 @@
         <a:lstStyle/>
         <a:p>
           <a:r>
-            <a:rPr lang="es-ES" dirty="0" smtClean="0"/>
+            <a:rPr lang="es-ES" dirty="0"/>
             <a:t>Corregir los problemas descubiertos</a:t>
           </a:r>
-          <a:endParaRPr lang="es-ES" dirty="0"/>
         </a:p>
       </dgm:t>
     </dgm:pt>
@@ -1197,10 +1192,9 @@
         <a:lstStyle/>
         <a:p>
           <a:r>
-            <a:rPr lang="es-ES" dirty="0" smtClean="0"/>
+            <a:rPr lang="es-ES" dirty="0"/>
             <a:t>Documentar el proceso de limpieza</a:t>
           </a:r>
-          <a:endParaRPr lang="es-ES" dirty="0"/>
         </a:p>
       </dgm:t>
     </dgm:pt>
@@ -1235,13 +1229,6 @@
         </dgm:presLayoutVars>
       </dgm:prSet>
       <dgm:spPr/>
-      <dgm:t>
-        <a:bodyPr/>
-        <a:lstStyle/>
-        <a:p>
-          <a:endParaRPr lang="es-ES"/>
-        </a:p>
-      </dgm:t>
     </dgm:pt>
     <dgm:pt modelId="{181E0722-2FB3-42FF-A42B-089DFE0F515B}" type="pres">
       <dgm:prSet presAssocID="{58280E97-62F8-4D62-9591-C0246051D237}" presName="dummyMaxCanvas" presStyleCnt="0">
@@ -1256,13 +1243,6 @@
         </dgm:presLayoutVars>
       </dgm:prSet>
       <dgm:spPr/>
-      <dgm:t>
-        <a:bodyPr/>
-        <a:lstStyle/>
-        <a:p>
-          <a:endParaRPr lang="es-ES"/>
-        </a:p>
-      </dgm:t>
     </dgm:pt>
     <dgm:pt modelId="{464BC024-7A86-44DB-898A-2A4B03051FC6}" type="pres">
       <dgm:prSet presAssocID="{58280E97-62F8-4D62-9591-C0246051D237}" presName="FourNodes_2" presStyleLbl="node1" presStyleIdx="1" presStyleCnt="4">
@@ -1271,13 +1251,6 @@
         </dgm:presLayoutVars>
       </dgm:prSet>
       <dgm:spPr/>
-      <dgm:t>
-        <a:bodyPr/>
-        <a:lstStyle/>
-        <a:p>
-          <a:endParaRPr lang="es-ES"/>
-        </a:p>
-      </dgm:t>
     </dgm:pt>
     <dgm:pt modelId="{69A049AF-2A17-440F-8BA2-9D10F77EF6F3}" type="pres">
       <dgm:prSet presAssocID="{58280E97-62F8-4D62-9591-C0246051D237}" presName="FourNodes_3" presStyleLbl="node1" presStyleIdx="2" presStyleCnt="4">
@@ -1286,13 +1259,6 @@
         </dgm:presLayoutVars>
       </dgm:prSet>
       <dgm:spPr/>
-      <dgm:t>
-        <a:bodyPr/>
-        <a:lstStyle/>
-        <a:p>
-          <a:endParaRPr lang="es-ES"/>
-        </a:p>
-      </dgm:t>
     </dgm:pt>
     <dgm:pt modelId="{0FC73862-F84D-4CE9-851B-9AA48393641A}" type="pres">
       <dgm:prSet presAssocID="{58280E97-62F8-4D62-9591-C0246051D237}" presName="FourNodes_4" presStyleLbl="node1" presStyleIdx="3" presStyleCnt="4">
@@ -1301,13 +1267,6 @@
         </dgm:presLayoutVars>
       </dgm:prSet>
       <dgm:spPr/>
-      <dgm:t>
-        <a:bodyPr/>
-        <a:lstStyle/>
-        <a:p>
-          <a:endParaRPr lang="es-ES"/>
-        </a:p>
-      </dgm:t>
     </dgm:pt>
     <dgm:pt modelId="{2B15819B-E9C7-4EE7-A51E-3795CF8749F4}" type="pres">
       <dgm:prSet presAssocID="{58280E97-62F8-4D62-9591-C0246051D237}" presName="FourConn_1-2" presStyleLbl="fgAccFollowNode1" presStyleIdx="0" presStyleCnt="3">
@@ -1316,13 +1275,6 @@
         </dgm:presLayoutVars>
       </dgm:prSet>
       <dgm:spPr/>
-      <dgm:t>
-        <a:bodyPr/>
-        <a:lstStyle/>
-        <a:p>
-          <a:endParaRPr lang="es-ES"/>
-        </a:p>
-      </dgm:t>
     </dgm:pt>
     <dgm:pt modelId="{E2D36532-B523-4D9A-A002-FA553281B877}" type="pres">
       <dgm:prSet presAssocID="{58280E97-62F8-4D62-9591-C0246051D237}" presName="FourConn_2-3" presStyleLbl="fgAccFollowNode1" presStyleIdx="1" presStyleCnt="3">
@@ -1331,13 +1283,6 @@
         </dgm:presLayoutVars>
       </dgm:prSet>
       <dgm:spPr/>
-      <dgm:t>
-        <a:bodyPr/>
-        <a:lstStyle/>
-        <a:p>
-          <a:endParaRPr lang="es-ES"/>
-        </a:p>
-      </dgm:t>
     </dgm:pt>
     <dgm:pt modelId="{98E4761C-317D-4696-9194-15470D433FCB}" type="pres">
       <dgm:prSet presAssocID="{58280E97-62F8-4D62-9591-C0246051D237}" presName="FourConn_3-4" presStyleLbl="fgAccFollowNode1" presStyleIdx="2" presStyleCnt="3">
@@ -1346,13 +1291,6 @@
         </dgm:presLayoutVars>
       </dgm:prSet>
       <dgm:spPr/>
-      <dgm:t>
-        <a:bodyPr/>
-        <a:lstStyle/>
-        <a:p>
-          <a:endParaRPr lang="es-ES"/>
-        </a:p>
-      </dgm:t>
     </dgm:pt>
     <dgm:pt modelId="{F76E0FFD-A491-44AA-843D-C58FA9545947}" type="pres">
       <dgm:prSet presAssocID="{58280E97-62F8-4D62-9591-C0246051D237}" presName="FourNodes_1_text" presStyleLbl="node1" presStyleIdx="3" presStyleCnt="4">
@@ -1361,13 +1299,6 @@
         </dgm:presLayoutVars>
       </dgm:prSet>
       <dgm:spPr/>
-      <dgm:t>
-        <a:bodyPr/>
-        <a:lstStyle/>
-        <a:p>
-          <a:endParaRPr lang="es-ES"/>
-        </a:p>
-      </dgm:t>
     </dgm:pt>
     <dgm:pt modelId="{14935594-92F4-4EB9-9061-B2DAC0F0AF05}" type="pres">
       <dgm:prSet presAssocID="{58280E97-62F8-4D62-9591-C0246051D237}" presName="FourNodes_2_text" presStyleLbl="node1" presStyleIdx="3" presStyleCnt="4">
@@ -1376,13 +1307,6 @@
         </dgm:presLayoutVars>
       </dgm:prSet>
       <dgm:spPr/>
-      <dgm:t>
-        <a:bodyPr/>
-        <a:lstStyle/>
-        <a:p>
-          <a:endParaRPr lang="es-ES"/>
-        </a:p>
-      </dgm:t>
     </dgm:pt>
     <dgm:pt modelId="{75EEFBFC-DF36-4017-BF66-539E32FC0970}" type="pres">
       <dgm:prSet presAssocID="{58280E97-62F8-4D62-9591-C0246051D237}" presName="FourNodes_3_text" presStyleLbl="node1" presStyleIdx="3" presStyleCnt="4">
@@ -1391,13 +1315,6 @@
         </dgm:presLayoutVars>
       </dgm:prSet>
       <dgm:spPr/>
-      <dgm:t>
-        <a:bodyPr/>
-        <a:lstStyle/>
-        <a:p>
-          <a:endParaRPr lang="es-ES"/>
-        </a:p>
-      </dgm:t>
     </dgm:pt>
     <dgm:pt modelId="{4B246B7F-A3BD-433D-A519-4B11DE2BCBF6}" type="pres">
       <dgm:prSet presAssocID="{58280E97-62F8-4D62-9591-C0246051D237}" presName="FourNodes_4_text" presStyleLbl="node1" presStyleIdx="3" presStyleCnt="4">
@@ -1406,32 +1323,25 @@
         </dgm:presLayoutVars>
       </dgm:prSet>
       <dgm:spPr/>
-      <dgm:t>
-        <a:bodyPr/>
-        <a:lstStyle/>
-        <a:p>
-          <a:endParaRPr lang="es-ES"/>
-        </a:p>
-      </dgm:t>
     </dgm:pt>
   </dgm:ptLst>
   <dgm:cxnLst>
+    <dgm:cxn modelId="{53D6C10F-2B2E-4EB7-8D1B-F94EB1743793}" type="presOf" srcId="{EBAD30C2-58F3-48DA-B3B9-A998BDA9C9C8}" destId="{F76E0FFD-A491-44AA-843D-C58FA9545947}" srcOrd="1" destOrd="0" presId="urn:microsoft.com/office/officeart/2005/8/layout/vProcess5"/>
     <dgm:cxn modelId="{AA09CF12-F991-4578-9840-F9453E6C4B1E}" srcId="{58280E97-62F8-4D62-9591-C0246051D237}" destId="{EBAD30C2-58F3-48DA-B3B9-A998BDA9C9C8}" srcOrd="0" destOrd="0" parTransId="{CA1DE039-D378-445A-A041-2FCB0BEA8C9E}" sibTransId="{8925B3F4-AC8F-4919-9772-76A433554B28}"/>
-    <dgm:cxn modelId="{92E413D1-E653-407D-AADB-5F85B19E2425}" type="presOf" srcId="{58280E97-62F8-4D62-9591-C0246051D237}" destId="{C9C88D62-A47A-41A3-8129-B7024D8B7842}" srcOrd="0" destOrd="0" presId="urn:microsoft.com/office/officeart/2005/8/layout/vProcess5"/>
-    <dgm:cxn modelId="{D6F9F6DC-6962-4576-B740-90BBE7FD57B6}" type="presOf" srcId="{4F977066-7D44-4232-A02C-3D26C06F4CF8}" destId="{464BC024-7A86-44DB-898A-2A4B03051FC6}" srcOrd="0" destOrd="0" presId="urn:microsoft.com/office/officeart/2005/8/layout/vProcess5"/>
-    <dgm:cxn modelId="{9496DBD1-B92D-46CB-B576-B36050A711EB}" type="presOf" srcId="{8925B3F4-AC8F-4919-9772-76A433554B28}" destId="{2B15819B-E9C7-4EE7-A51E-3795CF8749F4}" srcOrd="0" destOrd="0" presId="urn:microsoft.com/office/officeart/2005/8/layout/vProcess5"/>
-    <dgm:cxn modelId="{835788CA-907D-448C-8F88-FFF48FC3C0C3}" type="presOf" srcId="{4F977066-7D44-4232-A02C-3D26C06F4CF8}" destId="{14935594-92F4-4EB9-9061-B2DAC0F0AF05}" srcOrd="1" destOrd="0" presId="urn:microsoft.com/office/officeart/2005/8/layout/vProcess5"/>
-    <dgm:cxn modelId="{CA32B69A-B226-4348-99B4-FE21F10E316D}" type="presOf" srcId="{F0E54087-DF17-4043-9427-9DC19511418F}" destId="{75EEFBFC-DF36-4017-BF66-539E32FC0970}" srcOrd="1" destOrd="0" presId="urn:microsoft.com/office/officeart/2005/8/layout/vProcess5"/>
-    <dgm:cxn modelId="{D3D3B999-F7FF-41AD-8E49-AA3850C68AEB}" type="presOf" srcId="{75BF1402-7053-4A51-875A-65B74D87E258}" destId="{4B246B7F-A3BD-433D-A519-4B11DE2BCBF6}" srcOrd="1" destOrd="0" presId="urn:microsoft.com/office/officeart/2005/8/layout/vProcess5"/>
+    <dgm:cxn modelId="{262E8726-20AA-4389-BDAB-08F9D9C01DD7}" srcId="{58280E97-62F8-4D62-9591-C0246051D237}" destId="{4F977066-7D44-4232-A02C-3D26C06F4CF8}" srcOrd="1" destOrd="0" parTransId="{B490B746-9107-43FE-8D3F-D0AD28FFE247}" sibTransId="{7F57638B-640D-4CCD-8BD6-9C5FF6B4994A}"/>
     <dgm:cxn modelId="{FD0E132B-5EA8-4678-929A-203E2E92B414}" type="presOf" srcId="{7F57638B-640D-4CCD-8BD6-9C5FF6B4994A}" destId="{E2D36532-B523-4D9A-A002-FA553281B877}" srcOrd="0" destOrd="0" presId="urn:microsoft.com/office/officeart/2005/8/layout/vProcess5"/>
     <dgm:cxn modelId="{67F5E96E-3D59-49C3-98EE-D115590653A2}" type="presOf" srcId="{75BF1402-7053-4A51-875A-65B74D87E258}" destId="{0FC73862-F84D-4CE9-851B-9AA48393641A}" srcOrd="0" destOrd="0" presId="urn:microsoft.com/office/officeart/2005/8/layout/vProcess5"/>
+    <dgm:cxn modelId="{D3D3B999-F7FF-41AD-8E49-AA3850C68AEB}" type="presOf" srcId="{75BF1402-7053-4A51-875A-65B74D87E258}" destId="{4B246B7F-A3BD-433D-A519-4B11DE2BCBF6}" srcOrd="1" destOrd="0" presId="urn:microsoft.com/office/officeart/2005/8/layout/vProcess5"/>
+    <dgm:cxn modelId="{CA32B69A-B226-4348-99B4-FE21F10E316D}" type="presOf" srcId="{F0E54087-DF17-4043-9427-9DC19511418F}" destId="{75EEFBFC-DF36-4017-BF66-539E32FC0970}" srcOrd="1" destOrd="0" presId="urn:microsoft.com/office/officeart/2005/8/layout/vProcess5"/>
+    <dgm:cxn modelId="{86A7D4B3-85AE-4AD0-A33B-24E48A2D9C8D}" type="presOf" srcId="{EBAD30C2-58F3-48DA-B3B9-A998BDA9C9C8}" destId="{BF7EC9F0-1B1C-414B-BA22-ED577C2E4E92}" srcOrd="0" destOrd="0" presId="urn:microsoft.com/office/officeart/2005/8/layout/vProcess5"/>
     <dgm:cxn modelId="{821D9DC0-4B2B-492C-96DD-DDA92C451D02}" srcId="{58280E97-62F8-4D62-9591-C0246051D237}" destId="{75BF1402-7053-4A51-875A-65B74D87E258}" srcOrd="3" destOrd="0" parTransId="{63546F4B-7622-4765-AC19-E7CD842F7154}" sibTransId="{28E3FFC6-3647-4F8C-AD00-058DD3C898E7}"/>
+    <dgm:cxn modelId="{F61685C7-B677-4F2B-B85E-C76788BD37B8}" type="presOf" srcId="{F0E54087-DF17-4043-9427-9DC19511418F}" destId="{69A049AF-2A17-440F-8BA2-9D10F77EF6F3}" srcOrd="0" destOrd="0" presId="urn:microsoft.com/office/officeart/2005/8/layout/vProcess5"/>
+    <dgm:cxn modelId="{835788CA-907D-448C-8F88-FFF48FC3C0C3}" type="presOf" srcId="{4F977066-7D44-4232-A02C-3D26C06F4CF8}" destId="{14935594-92F4-4EB9-9061-B2DAC0F0AF05}" srcOrd="1" destOrd="0" presId="urn:microsoft.com/office/officeart/2005/8/layout/vProcess5"/>
+    <dgm:cxn modelId="{92E413D1-E653-407D-AADB-5F85B19E2425}" type="presOf" srcId="{58280E97-62F8-4D62-9591-C0246051D237}" destId="{C9C88D62-A47A-41A3-8129-B7024D8B7842}" srcOrd="0" destOrd="0" presId="urn:microsoft.com/office/officeart/2005/8/layout/vProcess5"/>
+    <dgm:cxn modelId="{9496DBD1-B92D-46CB-B576-B36050A711EB}" type="presOf" srcId="{8925B3F4-AC8F-4919-9772-76A433554B28}" destId="{2B15819B-E9C7-4EE7-A51E-3795CF8749F4}" srcOrd="0" destOrd="0" presId="urn:microsoft.com/office/officeart/2005/8/layout/vProcess5"/>
+    <dgm:cxn modelId="{D6F9F6DC-6962-4576-B740-90BBE7FD57B6}" type="presOf" srcId="{4F977066-7D44-4232-A02C-3D26C06F4CF8}" destId="{464BC024-7A86-44DB-898A-2A4B03051FC6}" srcOrd="0" destOrd="0" presId="urn:microsoft.com/office/officeart/2005/8/layout/vProcess5"/>
     <dgm:cxn modelId="{96623ADF-64FE-4D81-997A-D8E33791836D}" srcId="{58280E97-62F8-4D62-9591-C0246051D237}" destId="{F0E54087-DF17-4043-9427-9DC19511418F}" srcOrd="2" destOrd="0" parTransId="{0DF4B57C-166B-452F-93AA-790350C98339}" sibTransId="{F8D67066-EA14-42DF-BBAA-4D480525E3B6}"/>
-    <dgm:cxn modelId="{F61685C7-B677-4F2B-B85E-C76788BD37B8}" type="presOf" srcId="{F0E54087-DF17-4043-9427-9DC19511418F}" destId="{69A049AF-2A17-440F-8BA2-9D10F77EF6F3}" srcOrd="0" destOrd="0" presId="urn:microsoft.com/office/officeart/2005/8/layout/vProcess5"/>
-    <dgm:cxn modelId="{262E8726-20AA-4389-BDAB-08F9D9C01DD7}" srcId="{58280E97-62F8-4D62-9591-C0246051D237}" destId="{4F977066-7D44-4232-A02C-3D26C06F4CF8}" srcOrd="1" destOrd="0" parTransId="{B490B746-9107-43FE-8D3F-D0AD28FFE247}" sibTransId="{7F57638B-640D-4CCD-8BD6-9C5FF6B4994A}"/>
-    <dgm:cxn modelId="{53D6C10F-2B2E-4EB7-8D1B-F94EB1743793}" type="presOf" srcId="{EBAD30C2-58F3-48DA-B3B9-A998BDA9C9C8}" destId="{F76E0FFD-A491-44AA-843D-C58FA9545947}" srcOrd="1" destOrd="0" presId="urn:microsoft.com/office/officeart/2005/8/layout/vProcess5"/>
     <dgm:cxn modelId="{A89326E1-8B71-4F1F-B282-2125F2C19438}" type="presOf" srcId="{F8D67066-EA14-42DF-BBAA-4D480525E3B6}" destId="{98E4761C-317D-4696-9194-15470D433FCB}" srcOrd="0" destOrd="0" presId="urn:microsoft.com/office/officeart/2005/8/layout/vProcess5"/>
-    <dgm:cxn modelId="{86A7D4B3-85AE-4AD0-A33B-24E48A2D9C8D}" type="presOf" srcId="{EBAD30C2-58F3-48DA-B3B9-A998BDA9C9C8}" destId="{BF7EC9F0-1B1C-414B-BA22-ED577C2E4E92}" srcOrd="0" destOrd="0" presId="urn:microsoft.com/office/officeart/2005/8/layout/vProcess5"/>
     <dgm:cxn modelId="{23C35FE9-7B06-4ABA-9812-F5AAB8E2B5F0}" type="presParOf" srcId="{C9C88D62-A47A-41A3-8129-B7024D8B7842}" destId="{181E0722-2FB3-42FF-A42B-089DFE0F515B}" srcOrd="0" destOrd="0" presId="urn:microsoft.com/office/officeart/2005/8/layout/vProcess5"/>
     <dgm:cxn modelId="{76902683-D702-4AE7-9522-6E4449BDBAEA}" type="presParOf" srcId="{C9C88D62-A47A-41A3-8129-B7024D8B7842}" destId="{BF7EC9F0-1B1C-414B-BA22-ED577C2E4E92}" srcOrd="1" destOrd="0" presId="urn:microsoft.com/office/officeart/2005/8/layout/vProcess5"/>
     <dgm:cxn modelId="{ABFD0667-24A6-4C67-958F-12578847B7E9}" type="presParOf" srcId="{C9C88D62-A47A-41A3-8129-B7024D8B7842}" destId="{464BC024-7A86-44DB-898A-2A4B03051FC6}" srcOrd="2" destOrd="0" presId="urn:microsoft.com/office/officeart/2005/8/layout/vProcess5"/>
@@ -1520,7 +1430,7 @@
         </a:bodyPr>
         <a:lstStyle/>
         <a:p>
-          <a:pPr lvl="0" algn="l" defTabSz="1066800">
+          <a:pPr marL="0" lvl="0" indent="0" algn="l" defTabSz="1066800">
             <a:lnSpc>
               <a:spcPct val="90000"/>
             </a:lnSpc>
@@ -1530,12 +1440,12 @@
             <a:spcAft>
               <a:spcPct val="35000"/>
             </a:spcAft>
+            <a:buNone/>
           </a:pPr>
           <a:r>
-            <a:rPr lang="es-ES" sz="2400" kern="1200" dirty="0" smtClean="0"/>
+            <a:rPr lang="es-ES" sz="2400" kern="1200" dirty="0"/>
             <a:t>Defina y determine los tipos de problemas</a:t>
           </a:r>
-          <a:endParaRPr lang="es-ES" sz="2400" kern="1200" dirty="0"/>
         </a:p>
       </dsp:txBody>
       <dsp:txXfrm>
@@ -1600,7 +1510,7 @@
         </a:bodyPr>
         <a:lstStyle/>
         <a:p>
-          <a:pPr lvl="0" algn="l" defTabSz="1066800">
+          <a:pPr marL="0" lvl="0" indent="0" algn="l" defTabSz="1066800">
             <a:lnSpc>
               <a:spcPct val="90000"/>
             </a:lnSpc>
@@ -1610,12 +1520,12 @@
             <a:spcAft>
               <a:spcPct val="35000"/>
             </a:spcAft>
+            <a:buNone/>
           </a:pPr>
           <a:r>
-            <a:rPr lang="es-ES" sz="2400" kern="1200" dirty="0" smtClean="0"/>
+            <a:rPr lang="es-ES" sz="2400" kern="1200" dirty="0"/>
             <a:t>Buscar e identificar los problemas</a:t>
           </a:r>
-          <a:endParaRPr lang="es-ES" sz="2400" kern="1200" dirty="0"/>
         </a:p>
       </dsp:txBody>
       <dsp:txXfrm>
@@ -1680,7 +1590,7 @@
         </a:bodyPr>
         <a:lstStyle/>
         <a:p>
-          <a:pPr lvl="0" algn="l" defTabSz="1066800">
+          <a:pPr marL="0" lvl="0" indent="0" algn="l" defTabSz="1066800">
             <a:lnSpc>
               <a:spcPct val="90000"/>
             </a:lnSpc>
@@ -1690,12 +1600,12 @@
             <a:spcAft>
               <a:spcPct val="35000"/>
             </a:spcAft>
+            <a:buNone/>
           </a:pPr>
           <a:r>
-            <a:rPr lang="es-ES" sz="2400" kern="1200" dirty="0" smtClean="0"/>
+            <a:rPr lang="es-ES" sz="2400" kern="1200" dirty="0"/>
             <a:t>Corregir los problemas descubiertos</a:t>
           </a:r>
-          <a:endParaRPr lang="es-ES" sz="2400" kern="1200" dirty="0"/>
         </a:p>
       </dsp:txBody>
       <dsp:txXfrm>
@@ -1760,7 +1670,7 @@
         </a:bodyPr>
         <a:lstStyle/>
         <a:p>
-          <a:pPr lvl="0" algn="l" defTabSz="1066800">
+          <a:pPr marL="0" lvl="0" indent="0" algn="l" defTabSz="1066800">
             <a:lnSpc>
               <a:spcPct val="90000"/>
             </a:lnSpc>
@@ -1770,12 +1680,12 @@
             <a:spcAft>
               <a:spcPct val="35000"/>
             </a:spcAft>
+            <a:buNone/>
           </a:pPr>
           <a:r>
-            <a:rPr lang="es-ES" sz="2400" kern="1200" dirty="0" smtClean="0"/>
+            <a:rPr lang="es-ES" sz="2400" kern="1200" dirty="0"/>
             <a:t>Documentar el proceso de limpieza</a:t>
           </a:r>
-          <a:endParaRPr lang="es-ES" sz="2400" kern="1200" dirty="0"/>
         </a:p>
       </dsp:txBody>
       <dsp:txXfrm>
@@ -1842,7 +1752,7 @@
         </a:bodyPr>
         <a:lstStyle/>
         <a:p>
-          <a:pPr lvl="0" algn="ctr" defTabSz="1200150">
+          <a:pPr marL="0" lvl="0" indent="0" algn="ctr" defTabSz="1200150">
             <a:lnSpc>
               <a:spcPct val="90000"/>
             </a:lnSpc>
@@ -1852,6 +1762,7 @@
             <a:spcAft>
               <a:spcPct val="35000"/>
             </a:spcAft>
+            <a:buNone/>
           </a:pPr>
           <a:endParaRPr lang="es-ES" sz="2700" kern="1200"/>
         </a:p>
@@ -1920,7 +1831,7 @@
         </a:bodyPr>
         <a:lstStyle/>
         <a:p>
-          <a:pPr lvl="0" algn="ctr" defTabSz="1200150">
+          <a:pPr marL="0" lvl="0" indent="0" algn="ctr" defTabSz="1200150">
             <a:lnSpc>
               <a:spcPct val="90000"/>
             </a:lnSpc>
@@ -1930,6 +1841,7 @@
             <a:spcAft>
               <a:spcPct val="35000"/>
             </a:spcAft>
+            <a:buNone/>
           </a:pPr>
           <a:endParaRPr lang="es-ES" sz="2700" kern="1200"/>
         </a:p>
@@ -1998,7 +1910,7 @@
         </a:bodyPr>
         <a:lstStyle/>
         <a:p>
-          <a:pPr lvl="0" algn="ctr" defTabSz="1200150">
+          <a:pPr marL="0" lvl="0" indent="0" algn="ctr" defTabSz="1200150">
             <a:lnSpc>
               <a:spcPct val="90000"/>
             </a:lnSpc>
@@ -2008,6 +1920,7 @@
             <a:spcAft>
               <a:spcPct val="35000"/>
             </a:spcAft>
+            <a:buNone/>
           </a:pPr>
           <a:endParaRPr lang="es-ES" sz="2700" kern="1200"/>
         </a:p>
@@ -4522,7 +4435,7 @@
           <a:p>
             <a:fld id="{F36DA31E-7A43-4ADF-BF9A-2CFBB33A44A3}" type="slidenum">
               <a:rPr lang="es-CO" smtClean="0"/>
-              <a:t>‹Nº›</a:t>
+              <a:t>‹#›</a:t>
             </a:fld>
             <a:endParaRPr lang="es-CO"/>
           </a:p>
@@ -5085,7 +4998,7 @@
           <a:p>
             <a:fld id="{C5E5B3A9-79B5-4540-A326-FCC6F92DD987}" type="slidenum">
               <a:rPr lang="es-CO" smtClean="0"/>
-              <a:t>‹Nº›</a:t>
+              <a:t>‹#›</a:t>
             </a:fld>
             <a:endParaRPr lang="es-CO"/>
           </a:p>
@@ -5255,7 +5168,7 @@
           <a:p>
             <a:fld id="{C5E5B3A9-79B5-4540-A326-FCC6F92DD987}" type="slidenum">
               <a:rPr lang="es-CO" smtClean="0"/>
-              <a:t>‹Nº›</a:t>
+              <a:t>‹#›</a:t>
             </a:fld>
             <a:endParaRPr lang="es-CO"/>
           </a:p>
@@ -5435,7 +5348,7 @@
           <a:p>
             <a:fld id="{C5E5B3A9-79B5-4540-A326-FCC6F92DD987}" type="slidenum">
               <a:rPr lang="es-CO" smtClean="0"/>
-              <a:t>‹Nº›</a:t>
+              <a:t>‹#›</a:t>
             </a:fld>
             <a:endParaRPr lang="es-CO"/>
           </a:p>
@@ -5605,7 +5518,7 @@
           <a:p>
             <a:fld id="{C5E5B3A9-79B5-4540-A326-FCC6F92DD987}" type="slidenum">
               <a:rPr lang="es-CO" smtClean="0"/>
-              <a:t>‹Nº›</a:t>
+              <a:t>‹#›</a:t>
             </a:fld>
             <a:endParaRPr lang="es-CO"/>
           </a:p>
@@ -6016,7 +5929,7 @@
           <a:p>
             <a:fld id="{C5E5B3A9-79B5-4540-A326-FCC6F92DD987}" type="slidenum">
               <a:rPr lang="es-CO" smtClean="0"/>
-              <a:t>‹Nº›</a:t>
+              <a:t>‹#›</a:t>
             </a:fld>
             <a:endParaRPr lang="es-CO"/>
           </a:p>
@@ -6304,7 +6217,7 @@
           <a:p>
             <a:fld id="{C5E5B3A9-79B5-4540-A326-FCC6F92DD987}" type="slidenum">
               <a:rPr lang="es-CO" smtClean="0"/>
-              <a:t>‹Nº›</a:t>
+              <a:t>‹#›</a:t>
             </a:fld>
             <a:endParaRPr lang="es-CO"/>
           </a:p>
@@ -6738,7 +6651,7 @@
           <a:p>
             <a:fld id="{C5E5B3A9-79B5-4540-A326-FCC6F92DD987}" type="slidenum">
               <a:rPr lang="es-CO" smtClean="0"/>
-              <a:t>‹Nº›</a:t>
+              <a:t>‹#›</a:t>
             </a:fld>
             <a:endParaRPr lang="es-CO"/>
           </a:p>
@@ -6856,7 +6769,7 @@
           <a:p>
             <a:fld id="{C5E5B3A9-79B5-4540-A326-FCC6F92DD987}" type="slidenum">
               <a:rPr lang="es-CO" smtClean="0"/>
-              <a:t>‹Nº›</a:t>
+              <a:t>‹#›</a:t>
             </a:fld>
             <a:endParaRPr lang="es-CO"/>
           </a:p>
@@ -6951,7 +6864,7 @@
           <a:p>
             <a:fld id="{C5E5B3A9-79B5-4540-A326-FCC6F92DD987}" type="slidenum">
               <a:rPr lang="es-CO" smtClean="0"/>
-              <a:t>‹Nº›</a:t>
+              <a:t>‹#›</a:t>
             </a:fld>
             <a:endParaRPr lang="es-CO"/>
           </a:p>
@@ -7390,7 +7303,7 @@
           <a:p>
             <a:fld id="{C5E5B3A9-79B5-4540-A326-FCC6F92DD987}" type="slidenum">
               <a:rPr lang="es-CO" smtClean="0"/>
-              <a:t>‹Nº›</a:t>
+              <a:t>‹#›</a:t>
             </a:fld>
             <a:endParaRPr lang="es-CO"/>
           </a:p>
@@ -7796,7 +7709,7 @@
           <a:p>
             <a:fld id="{C5E5B3A9-79B5-4540-A326-FCC6F92DD987}" type="slidenum">
               <a:rPr lang="es-CO" smtClean="0"/>
-              <a:t>‹Nº›</a:t>
+              <a:t>‹#›</a:t>
             </a:fld>
             <a:endParaRPr lang="es-CO"/>
           </a:p>
@@ -8129,7 +8042,7 @@
           <a:p>
             <a:fld id="{C5E5B3A9-79B5-4540-A326-FCC6F92DD987}" type="slidenum">
               <a:rPr lang="es-CO" smtClean="0"/>
-              <a:t>‹Nº›</a:t>
+              <a:t>‹#›</a:t>
             </a:fld>
             <a:endParaRPr lang="es-CO"/>
           </a:p>
@@ -8568,18 +8481,13 @@
           <a:lstStyle/>
           <a:p>
             <a:r>
-              <a:rPr lang="es-CO" dirty="0" smtClean="0">
+              <a:rPr lang="es-CO" dirty="0">
                 <a:solidFill>
                   <a:schemeClr val="tx1"/>
                 </a:solidFill>
               </a:rPr>
               <a:t>Análisis exploratorio</a:t>
             </a:r>
-            <a:endParaRPr lang="es-CO" dirty="0">
-              <a:solidFill>
-                <a:schemeClr val="tx1"/>
-              </a:solidFill>
-            </a:endParaRPr>
           </a:p>
         </p:txBody>
       </p:sp>
@@ -8720,13 +8628,6 @@
   <p:clrMapOvr>
     <a:masterClrMapping/>
   </p:clrMapOvr>
-  <p:timing>
-    <p:tnLst>
-      <p:par>
-        <p:cTn id="1" dur="indefinite" restart="never" nodeType="tmRoot"/>
-      </p:par>
-    </p:tnLst>
-  </p:timing>
 </p:sld>
 </file>
 
@@ -8766,36 +8667,36 @@
               <a:buNone/>
             </a:pPr>
             <a:r>
-              <a:rPr lang="es-CO" b="1" dirty="0" smtClean="0"/>
+              <a:rPr lang="es-CO" b="1" dirty="0"/>
               <a:t>Datos brutos (</a:t>
             </a:r>
             <a:r>
-              <a:rPr lang="es-CO" b="1" dirty="0" err="1" smtClean="0"/>
+              <a:rPr lang="es-CO" b="1" dirty="0" err="1"/>
               <a:t>raw</a:t>
             </a:r>
             <a:r>
-              <a:rPr lang="es-CO" b="1" dirty="0" smtClean="0"/>
+              <a:rPr lang="es-CO" b="1" dirty="0"/>
               <a:t> data)</a:t>
             </a:r>
           </a:p>
           <a:p>
             <a:pPr lvl="1"/>
             <a:r>
-              <a:rPr lang="es-CO" dirty="0" smtClean="0"/>
+              <a:rPr lang="es-CO" dirty="0"/>
               <a:t>Son los datos adquiridos de la fuente original.</a:t>
             </a:r>
           </a:p>
           <a:p>
             <a:pPr lvl="1"/>
             <a:r>
-              <a:rPr lang="es-CO" dirty="0" smtClean="0"/>
+              <a:rPr lang="es-CO" dirty="0"/>
               <a:t>Pueden presentar problemas.</a:t>
             </a:r>
           </a:p>
           <a:p>
             <a:pPr lvl="1"/>
             <a:r>
-              <a:rPr lang="es-CO" dirty="0" smtClean="0"/>
+              <a:rPr lang="es-CO" dirty="0"/>
               <a:t>Usualmente se procesan solo una vez, para prepararlos.</a:t>
             </a:r>
           </a:p>
@@ -8804,48 +8705,48 @@
               <a:buNone/>
             </a:pPr>
             <a:r>
-              <a:rPr lang="es-CO" b="1" dirty="0" smtClean="0"/>
+              <a:rPr lang="es-CO" b="1" dirty="0"/>
               <a:t>Datos preparados (</a:t>
             </a:r>
             <a:r>
-              <a:rPr lang="es-CO" b="1" dirty="0" err="1" smtClean="0"/>
+              <a:rPr lang="es-CO" b="1" dirty="0" err="1"/>
               <a:t>tidy</a:t>
             </a:r>
             <a:r>
-              <a:rPr lang="es-CO" b="1" dirty="0" smtClean="0"/>
+              <a:rPr lang="es-CO" b="1" dirty="0"/>
               <a:t> data)</a:t>
             </a:r>
           </a:p>
           <a:p>
             <a:pPr lvl="1"/>
             <a:r>
-              <a:rPr lang="es-CO" dirty="0" smtClean="0"/>
+              <a:rPr lang="es-CO" dirty="0"/>
               <a:t>Los ya se encuentran listos para ser analizados.</a:t>
             </a:r>
           </a:p>
           <a:p>
             <a:pPr lvl="1"/>
             <a:r>
-              <a:rPr lang="es-CO" dirty="0" smtClean="0"/>
+              <a:rPr lang="es-CO" dirty="0"/>
               <a:t>Su preparación incluye: limpieza, transformación, fusiones (</a:t>
             </a:r>
             <a:r>
-              <a:rPr lang="es-CO" dirty="0" err="1" smtClean="0"/>
+              <a:rPr lang="es-CO" dirty="0" err="1"/>
               <a:t>merging</a:t>
             </a:r>
             <a:r>
-              <a:rPr lang="es-CO" dirty="0" smtClean="0"/>
+              <a:rPr lang="es-CO" dirty="0"/>
               <a:t>), extracción de subconjuntos (</a:t>
             </a:r>
             <a:r>
-              <a:rPr lang="es-CO" dirty="0" err="1" smtClean="0"/>
+              <a:rPr lang="es-CO" dirty="0" err="1"/>
               <a:t>subsetting</a:t>
             </a:r>
             <a:r>
-              <a:rPr lang="es-CO" smtClean="0"/>
+              <a:rPr lang="es-CO"/>
               <a:t>).</a:t>
             </a:r>
-            <a:endParaRPr lang="es-CO" dirty="0" smtClean="0"/>
+            <a:endParaRPr lang="es-CO" dirty="0"/>
           </a:p>
           <a:p>
             <a:pPr marL="0" indent="0">
@@ -8855,14 +8756,13 @@
               <a:rPr lang="es-CO" dirty="0"/>
               <a:t>	</a:t>
             </a:r>
-            <a:endParaRPr lang="es-CO" dirty="0" smtClean="0"/>
-          </a:p>
-          <a:p>
-            <a:endParaRPr lang="es-CO" dirty="0" smtClean="0"/>
+          </a:p>
+          <a:p>
+            <a:endParaRPr lang="es-CO" dirty="0"/>
           </a:p>
           <a:p>
             <a:pPr lvl="1"/>
-            <a:endParaRPr lang="es-CO" dirty="0" smtClean="0"/>
+            <a:endParaRPr lang="es-CO" dirty="0"/>
           </a:p>
           <a:p>
             <a:pPr lvl="1"/>
@@ -8914,22 +8814,21 @@
           <a:lstStyle/>
           <a:p>
             <a:r>
-              <a:rPr lang="es-CO" dirty="0" err="1" smtClean="0"/>
+              <a:rPr lang="es-CO" dirty="0" err="1"/>
               <a:t>Exploratory</a:t>
             </a:r>
             <a:r>
-              <a:rPr lang="es-CO" dirty="0" smtClean="0"/>
+              <a:rPr lang="es-CO" dirty="0"/>
               <a:t> Data </a:t>
             </a:r>
             <a:r>
-              <a:rPr lang="es-CO" dirty="0" err="1" smtClean="0"/>
+              <a:rPr lang="es-CO" dirty="0" err="1"/>
               <a:t>analysis</a:t>
             </a:r>
             <a:r>
-              <a:rPr lang="es-CO" dirty="0" smtClean="0"/>
+              <a:rPr lang="es-CO" dirty="0"/>
               <a:t> (Eda)</a:t>
             </a:r>
-            <a:endParaRPr lang="es-CO" dirty="0"/>
           </a:p>
         </p:txBody>
       </p:sp>
@@ -9095,13 +8994,6 @@
   <p:clrMapOvr>
     <a:masterClrMapping/>
   </p:clrMapOvr>
-  <p:timing>
-    <p:tnLst>
-      <p:par>
-        <p:cTn id="1" dur="indefinite" restart="never" nodeType="tmRoot"/>
-      </p:par>
-    </p:tnLst>
-  </p:timing>
 </p:sld>
 </file>
 
@@ -9320,13 +9212,6 @@
   <p:clrMapOvr>
     <a:masterClrMapping/>
   </p:clrMapOvr>
-  <p:timing>
-    <p:tnLst>
-      <p:par>
-        <p:cTn id="1" dur="indefinite" restart="never" nodeType="tmRoot"/>
-      </p:par>
-    </p:tnLst>
-  </p:timing>
 </p:sld>
 </file>
 
@@ -9491,7 +9376,7 @@
           <a:p>
             <a:pPr lvl="1" algn="just"/>
             <a:r>
-              <a:rPr lang="es-CO" b="1" smtClean="0"/>
+              <a:rPr lang="es-CO" b="1"/>
               <a:t>Variables binarias</a:t>
             </a:r>
             <a:r>
@@ -9557,13 +9442,6 @@
   <p:clrMapOvr>
     <a:masterClrMapping/>
   </p:clrMapOvr>
-  <p:timing>
-    <p:tnLst>
-      <p:par>
-        <p:cTn id="1" dur="indefinite" restart="never" nodeType="tmRoot"/>
-      </p:par>
-    </p:tnLst>
-  </p:timing>
 </p:sld>
 </file>
 
@@ -9737,13 +9615,6 @@
   <p:clrMapOvr>
     <a:masterClrMapping/>
   </p:clrMapOvr>
-  <p:timing>
-    <p:tnLst>
-      <p:par>
-        <p:cTn id="1" dur="indefinite" restart="never" nodeType="tmRoot"/>
-      </p:par>
-    </p:tnLst>
-  </p:timing>
 </p:sld>
 </file>
 
@@ -9945,10 +9816,9 @@
           <a:lstStyle/>
           <a:p>
             <a:r>
-              <a:rPr lang="es-CO" dirty="0" smtClean="0"/>
+              <a:rPr lang="es-CO" dirty="0"/>
               <a:t>Objetivo</a:t>
             </a:r>
-            <a:endParaRPr lang="es-CO" dirty="0"/>
           </a:p>
         </p:txBody>
       </p:sp>
@@ -10014,10 +9884,9 @@
           <a:lstStyle/>
           <a:p>
             <a:r>
-              <a:rPr lang="es-CO" dirty="0" smtClean="0"/>
+              <a:rPr lang="es-CO" dirty="0"/>
               <a:t>Variables explicativas </a:t>
             </a:r>
-            <a:endParaRPr lang="es-CO" dirty="0"/>
           </a:p>
         </p:txBody>
       </p:sp>
@@ -10291,7 +10160,7 @@
               <a:buNone/>
             </a:pPr>
             <a:r>
-              <a:rPr lang="es-CO" dirty="0" smtClean="0"/>
+              <a:rPr lang="es-CO" dirty="0"/>
               <a:t>Es importante clasificar las variables ya que de este dependerá el tipo de análisis. </a:t>
             </a:r>
           </a:p>
@@ -10300,64 +10169,62 @@
               <a:buNone/>
             </a:pPr>
             <a:r>
-              <a:rPr lang="es-CO" b="1" dirty="0" smtClean="0"/>
+              <a:rPr lang="es-CO" b="1" dirty="0"/>
               <a:t>Tipo de dato</a:t>
             </a:r>
           </a:p>
           <a:p>
             <a:pPr lvl="1"/>
             <a:r>
-              <a:rPr lang="es-CO" dirty="0" smtClean="0"/>
+              <a:rPr lang="es-CO" dirty="0"/>
               <a:t>Carácter</a:t>
             </a:r>
           </a:p>
           <a:p>
             <a:pPr lvl="2"/>
             <a:r>
-              <a:rPr lang="es-CO" dirty="0" err="1" smtClean="0"/>
+              <a:rPr lang="es-CO" dirty="0" err="1"/>
               <a:t>Gender</a:t>
             </a:r>
-            <a:endParaRPr lang="es-CO" dirty="0" smtClean="0"/>
+            <a:endParaRPr lang="es-CO" dirty="0"/>
           </a:p>
           <a:p>
             <a:pPr lvl="1"/>
             <a:r>
-              <a:rPr lang="es-CO" dirty="0" smtClean="0"/>
+              <a:rPr lang="es-CO" dirty="0"/>
               <a:t>Numérico</a:t>
             </a:r>
+          </a:p>
+          <a:p>
+            <a:pPr lvl="2"/>
+            <a:r>
+              <a:rPr lang="es-CO" dirty="0" err="1"/>
+              <a:t>Prev_Exam_Marks</a:t>
+            </a:r>
             <a:endParaRPr lang="es-CO" dirty="0"/>
           </a:p>
           <a:p>
             <a:pPr lvl="2"/>
             <a:r>
-              <a:rPr lang="es-CO" dirty="0" err="1" smtClean="0"/>
-              <a:t>Prev_Exam_Marks</a:t>
-            </a:r>
-            <a:endParaRPr lang="es-CO" dirty="0" smtClean="0"/>
+              <a:rPr lang="es-CO" dirty="0" err="1"/>
+              <a:t>Height</a:t>
+            </a:r>
+            <a:endParaRPr lang="es-CO" dirty="0"/>
           </a:p>
           <a:p>
             <a:pPr lvl="2"/>
             <a:r>
-              <a:rPr lang="es-CO" dirty="0" err="1" smtClean="0"/>
-              <a:t>Height</a:t>
+              <a:rPr lang="es-CO" dirty="0" err="1"/>
+              <a:t>Weight</a:t>
             </a:r>
             <a:endParaRPr lang="es-CO" dirty="0"/>
           </a:p>
           <a:p>
             <a:pPr lvl="2"/>
             <a:r>
-              <a:rPr lang="es-CO" dirty="0" err="1" smtClean="0"/>
-              <a:t>Weight</a:t>
-            </a:r>
-            <a:endParaRPr lang="es-CO" dirty="0" smtClean="0"/>
-          </a:p>
-          <a:p>
-            <a:pPr lvl="2"/>
-            <a:r>
-              <a:rPr lang="es-CO" dirty="0" smtClean="0"/>
+              <a:rPr lang="es-CO" dirty="0"/>
               <a:t>Play Cricket</a:t>
             </a:r>
-            <a:endParaRPr lang="es-CO" dirty="0"/>
           </a:p>
         </p:txBody>
       </p:sp>
@@ -10762,59 +10629,59 @@
               <a:buNone/>
             </a:pPr>
             <a:r>
-              <a:rPr lang="es-CO" b="1" dirty="0" smtClean="0"/>
+              <a:rPr lang="es-CO" b="1" dirty="0"/>
               <a:t>Tipo de variable</a:t>
             </a:r>
           </a:p>
           <a:p>
             <a:pPr lvl="1"/>
             <a:r>
-              <a:rPr lang="es-CO" dirty="0" smtClean="0"/>
+              <a:rPr lang="es-CO" dirty="0"/>
               <a:t>Cualitativa</a:t>
             </a:r>
           </a:p>
           <a:p>
             <a:pPr lvl="2"/>
             <a:r>
-              <a:rPr lang="es-CO" dirty="0" err="1" smtClean="0"/>
+              <a:rPr lang="es-CO" dirty="0" err="1"/>
               <a:t>Gender</a:t>
             </a:r>
-            <a:endParaRPr lang="es-CO" dirty="0" smtClean="0"/>
+            <a:endParaRPr lang="es-CO" dirty="0"/>
           </a:p>
           <a:p>
             <a:pPr lvl="2"/>
             <a:r>
-              <a:rPr lang="es-CO" dirty="0" smtClean="0"/>
+              <a:rPr lang="es-CO" dirty="0"/>
               <a:t>Play Cricket</a:t>
             </a:r>
           </a:p>
           <a:p>
             <a:pPr lvl="1"/>
             <a:r>
-              <a:rPr lang="es-CO" dirty="0" smtClean="0"/>
+              <a:rPr lang="es-CO" dirty="0"/>
               <a:t>Cuantitativa</a:t>
             </a:r>
           </a:p>
           <a:p>
             <a:pPr lvl="2"/>
             <a:r>
-              <a:rPr lang="es-CO" dirty="0" err="1" smtClean="0"/>
+              <a:rPr lang="es-CO" dirty="0" err="1"/>
               <a:t>Prev_Exam_Marks</a:t>
             </a:r>
-            <a:endParaRPr lang="es-CO" dirty="0" smtClean="0"/>
+            <a:endParaRPr lang="es-CO" dirty="0"/>
           </a:p>
           <a:p>
             <a:pPr lvl="2"/>
             <a:r>
-              <a:rPr lang="es-CO" dirty="0" err="1" smtClean="0"/>
+              <a:rPr lang="es-CO" dirty="0" err="1"/>
               <a:t>Height</a:t>
             </a:r>
-            <a:endParaRPr lang="es-CO" dirty="0" smtClean="0"/>
+            <a:endParaRPr lang="es-CO" dirty="0"/>
           </a:p>
           <a:p>
             <a:pPr lvl="2"/>
             <a:r>
-              <a:rPr lang="es-CO" dirty="0" err="1" smtClean="0"/>
+              <a:rPr lang="es-CO" dirty="0" err="1"/>
               <a:t>Weight</a:t>
             </a:r>
             <a:endParaRPr lang="es-CO" dirty="0"/>
@@ -11279,22 +11146,9 @@
           <a:lstStyle/>
           <a:p>
             <a:r>
-              <a:rPr lang="es-CO" dirty="0" err="1" smtClean="0"/>
-              <a:t>Exploratory</a:t>
-            </a:r>
-            <a:r>
-              <a:rPr lang="es-CO" dirty="0" smtClean="0"/>
-              <a:t> data </a:t>
-            </a:r>
-            <a:r>
-              <a:rPr lang="es-CO" dirty="0" err="1" smtClean="0"/>
-              <a:t>analysis</a:t>
-            </a:r>
-            <a:r>
-              <a:rPr lang="es-CO" dirty="0" smtClean="0"/>
-              <a:t>	</a:t>
-            </a:r>
-            <a:endParaRPr lang="es-CO" dirty="0"/>
+              <a:rPr lang="es-CO" dirty="0"/>
+              <a:t>Bibliografía</a:t>
+            </a:r>
           </a:p>
         </p:txBody>
       </p:sp>
@@ -11314,17 +11168,71 @@
           <a:lstStyle/>
           <a:p>
             <a:r>
-              <a:rPr lang="es-CO" sz="2400" dirty="0" smtClean="0"/>
-              <a:t>Correspondencia entre el tipo de variable y el asignado en el diccionario</a:t>
-            </a:r>
-          </a:p>
-          <a:p>
-            <a:endParaRPr lang="es-CO" sz="2400" dirty="0" smtClean="0"/>
-          </a:p>
-          <a:p>
-            <a:pPr marL="0" indent="0">
-              <a:buNone/>
-            </a:pPr>
+              <a:rPr lang="en-US" dirty="0"/>
+              <a:t>Lutz, M. (2013). </a:t>
+            </a:r>
+            <a:r>
+              <a:rPr lang="en-US" i="1" dirty="0"/>
+              <a:t>Learning Python: Powerful Object-Oriented Programming</a:t>
+            </a:r>
+            <a:r>
+              <a:rPr lang="en-US" dirty="0"/>
+              <a:t>. " O'Reilly Media, Inc.".</a:t>
+            </a:r>
+          </a:p>
+          <a:p>
+            <a:r>
+              <a:rPr lang="en-US" dirty="0"/>
+              <a:t>Villegas, N. &amp; Estrada, D. </a:t>
+            </a:r>
+            <a:r>
+              <a:rPr lang="en-US" dirty="0" err="1"/>
+              <a:t>Introducción</a:t>
+            </a:r>
+            <a:r>
+              <a:rPr lang="en-US" dirty="0"/>
+              <a:t> al </a:t>
+            </a:r>
+            <a:r>
+              <a:rPr lang="en-US" dirty="0" err="1"/>
+              <a:t>análisis</a:t>
+            </a:r>
+            <a:r>
+              <a:rPr lang="en-US" dirty="0"/>
+              <a:t> </a:t>
+            </a:r>
+            <a:r>
+              <a:rPr lang="en-US" dirty="0" err="1"/>
+              <a:t>exploratorio</a:t>
+            </a:r>
+            <a:r>
+              <a:rPr lang="en-US" dirty="0"/>
+              <a:t>. </a:t>
+            </a:r>
+            <a:r>
+              <a:rPr lang="en-US" dirty="0" err="1"/>
+              <a:t>Diplomado</a:t>
+            </a:r>
+            <a:r>
+              <a:rPr lang="en-US" dirty="0"/>
+              <a:t> </a:t>
+            </a:r>
+            <a:r>
+              <a:rPr lang="en-US" dirty="0" err="1"/>
+              <a:t>en</a:t>
+            </a:r>
+            <a:r>
+              <a:rPr lang="en-US" dirty="0"/>
+              <a:t> </a:t>
+            </a:r>
+            <a:r>
+              <a:rPr lang="es-CO" dirty="0"/>
+              <a:t>analítica y grandes volúmenes de datos.</a:t>
+            </a:r>
+            <a:r>
+              <a:rPr lang="en-US" dirty="0"/>
+              <a:t> </a:t>
+            </a:r>
             <a:endParaRPr lang="es-CO" dirty="0"/>
           </a:p>
         </p:txBody>
@@ -11352,219 +11260,6 @@
           </a:p>
         </p:txBody>
       </p:sp>
-      <p:pic>
-        <p:nvPicPr>
-          <p:cNvPr id="5" name="Picture 2" descr="Resultado de imagen para icesi a otro nivel"/>
-          <p:cNvPicPr>
-            <a:picLocks noChangeAspect="1" noChangeArrowheads="1"/>
-          </p:cNvPicPr>
-          <p:nvPr/>
-        </p:nvPicPr>
-        <p:blipFill>
-          <a:blip r:embed="rId2">
-            <a:extLst>
-              <a:ext uri="{28A0092B-C50C-407E-A947-70E740481C1C}">
-                <a14:useLocalDpi xmlns:a14="http://schemas.microsoft.com/office/drawing/2010/main" val="0"/>
-              </a:ext>
-            </a:extLst>
-          </a:blip>
-          <a:srcRect/>
-          <a:stretch>
-            <a:fillRect/>
-          </a:stretch>
-        </p:blipFill>
-        <p:spPr bwMode="auto">
-          <a:xfrm>
-            <a:off x="0" y="6112446"/>
-            <a:ext cx="2484781" cy="685800"/>
-          </a:xfrm>
-          <a:prstGeom prst="rect">
-            <a:avLst/>
-          </a:prstGeom>
-          <a:noFill/>
-          <a:extLst>
-            <a:ext uri="{909E8E84-426E-40DD-AFC4-6F175D3DCCD1}">
-              <a14:hiddenFill xmlns:a14="http://schemas.microsoft.com/office/drawing/2010/main">
-                <a:solidFill>
-                  <a:srgbClr val="FFFFFF"/>
-                </a:solidFill>
-              </a14:hiddenFill>
-            </a:ext>
-          </a:extLst>
-        </p:spPr>
-      </p:pic>
-    </p:spTree>
-    <p:extLst>
-      <p:ext uri="{BB962C8B-B14F-4D97-AF65-F5344CB8AC3E}">
-        <p14:creationId xmlns:p14="http://schemas.microsoft.com/office/powerpoint/2010/main" val="640106926"/>
-      </p:ext>
-    </p:extLst>
-  </p:cSld>
-  <p:clrMapOvr>
-    <a:masterClrMapping/>
-  </p:clrMapOvr>
-  <p:timing>
-    <p:tnLst>
-      <p:par>
-        <p:cTn id="1" dur="indefinite" restart="never" nodeType="tmRoot"/>
-      </p:par>
-    </p:tnLst>
-  </p:timing>
-</p:sld>
-</file>
-
-<file path=ppt/slides/slide17.xml><?xml version="1.0" encoding="utf-8"?>
-<p:sld xmlns:a="http://schemas.openxmlformats.org/drawingml/2006/main" xmlns:r="http://schemas.openxmlformats.org/officeDocument/2006/relationships" xmlns:p="http://schemas.openxmlformats.org/presentationml/2006/main">
-  <p:cSld>
-    <p:spTree>
-      <p:nvGrpSpPr>
-        <p:cNvPr id="1" name=""/>
-        <p:cNvGrpSpPr/>
-        <p:nvPr/>
-      </p:nvGrpSpPr>
-      <p:grpSpPr>
-        <a:xfrm>
-          <a:off x="0" y="0"/>
-          <a:ext cx="0" cy="0"/>
-          <a:chOff x="0" y="0"/>
-          <a:chExt cx="0" cy="0"/>
-        </a:xfrm>
-      </p:grpSpPr>
-      <p:sp>
-        <p:nvSpPr>
-          <p:cNvPr id="2" name="Título 1"/>
-          <p:cNvSpPr>
-            <a:spLocks noGrp="1"/>
-          </p:cNvSpPr>
-          <p:nvPr>
-            <p:ph type="title"/>
-          </p:nvPr>
-        </p:nvSpPr>
-        <p:spPr/>
-        <p:txBody>
-          <a:bodyPr/>
-          <a:lstStyle/>
-          <a:p>
-            <a:r>
-              <a:rPr lang="es-CO" dirty="0" smtClean="0"/>
-              <a:t>Bibliografía</a:t>
-            </a:r>
-            <a:endParaRPr lang="es-CO" dirty="0"/>
-          </a:p>
-        </p:txBody>
-      </p:sp>
-      <p:sp>
-        <p:nvSpPr>
-          <p:cNvPr id="3" name="Marcador de contenido 2"/>
-          <p:cNvSpPr>
-            <a:spLocks noGrp="1"/>
-          </p:cNvSpPr>
-          <p:nvPr>
-            <p:ph idx="1"/>
-          </p:nvPr>
-        </p:nvSpPr>
-        <p:spPr/>
-        <p:txBody>
-          <a:bodyPr/>
-          <a:lstStyle/>
-          <a:p>
-            <a:r>
-              <a:rPr lang="en-US" dirty="0"/>
-              <a:t>Lutz, M. (2013). </a:t>
-            </a:r>
-            <a:r>
-              <a:rPr lang="en-US" i="1" dirty="0"/>
-              <a:t>Learning Python: Powerful Object-Oriented Programming</a:t>
-            </a:r>
-            <a:r>
-              <a:rPr lang="en-US" dirty="0"/>
-              <a:t>. " O'Reilly Media, Inc</a:t>
-            </a:r>
-            <a:r>
-              <a:rPr lang="en-US" dirty="0" smtClean="0"/>
-              <a:t>.".</a:t>
-            </a:r>
-          </a:p>
-          <a:p>
-            <a:r>
-              <a:rPr lang="en-US" dirty="0" smtClean="0"/>
-              <a:t>Villegas, N. &amp; Estrada, D. </a:t>
-            </a:r>
-            <a:r>
-              <a:rPr lang="en-US" dirty="0" err="1" smtClean="0"/>
-              <a:t>Introducción</a:t>
-            </a:r>
-            <a:r>
-              <a:rPr lang="en-US" dirty="0" smtClean="0"/>
-              <a:t> al </a:t>
-            </a:r>
-            <a:r>
-              <a:rPr lang="en-US" dirty="0" err="1" smtClean="0"/>
-              <a:t>análisis</a:t>
-            </a:r>
-            <a:r>
-              <a:rPr lang="en-US" dirty="0" smtClean="0"/>
-              <a:t> </a:t>
-            </a:r>
-            <a:r>
-              <a:rPr lang="en-US" dirty="0" err="1" smtClean="0"/>
-              <a:t>exploratorio</a:t>
-            </a:r>
-            <a:r>
-              <a:rPr lang="en-US" dirty="0" smtClean="0"/>
-              <a:t>. </a:t>
-            </a:r>
-            <a:r>
-              <a:rPr lang="en-US" dirty="0" err="1" smtClean="0"/>
-              <a:t>Diplomado</a:t>
-            </a:r>
-            <a:r>
-              <a:rPr lang="en-US" dirty="0" smtClean="0"/>
-              <a:t> </a:t>
-            </a:r>
-            <a:r>
-              <a:rPr lang="en-US" dirty="0" err="1" smtClean="0"/>
-              <a:t>en</a:t>
-            </a:r>
-            <a:r>
-              <a:rPr lang="en-US" dirty="0" smtClean="0"/>
-              <a:t> </a:t>
-            </a:r>
-            <a:r>
-              <a:rPr lang="es-CO" dirty="0" smtClean="0"/>
-              <a:t>analítica y grandes volúmenes de datos.</a:t>
-            </a:r>
-            <a:r>
-              <a:rPr lang="en-US" dirty="0" smtClean="0"/>
-              <a:t> </a:t>
-            </a:r>
-            <a:endParaRPr lang="es-CO" dirty="0"/>
-          </a:p>
-        </p:txBody>
-      </p:sp>
-      <p:sp>
-        <p:nvSpPr>
-          <p:cNvPr id="4" name="Marcador de número de diapositiva 3"/>
-          <p:cNvSpPr>
-            <a:spLocks noGrp="1"/>
-          </p:cNvSpPr>
-          <p:nvPr>
-            <p:ph type="sldNum" sz="quarter" idx="12"/>
-          </p:nvPr>
-        </p:nvSpPr>
-        <p:spPr/>
-        <p:txBody>
-          <a:bodyPr/>
-          <a:lstStyle/>
-          <a:p>
-            <a:fld id="{C5E5B3A9-79B5-4540-A326-FCC6F92DD987}" type="slidenum">
-              <a:rPr lang="es-CO" smtClean="0"/>
-              <a:t>17</a:t>
-            </a:fld>
-            <a:endParaRPr lang="es-CO"/>
-          </a:p>
-        </p:txBody>
-      </p:sp>
     </p:spTree>
     <p:extLst>
       <p:ext uri="{BB962C8B-B14F-4D97-AF65-F5344CB8AC3E}">
@@ -11575,13 +11270,6 @@
   <p:clrMapOvr>
     <a:masterClrMapping/>
   </p:clrMapOvr>
-  <p:timing>
-    <p:tnLst>
-      <p:par>
-        <p:cTn id="1" dur="indefinite" restart="never" nodeType="tmRoot"/>
-      </p:par>
-    </p:tnLst>
-  </p:timing>
 </p:sld>
 </file>
 
@@ -11894,13 +11582,6 @@
   <p:clrMapOvr>
     <a:masterClrMapping/>
   </p:clrMapOvr>
-  <p:timing>
-    <p:tnLst>
-      <p:par>
-        <p:cTn id="1" dur="indefinite" restart="never" nodeType="tmRoot"/>
-      </p:par>
-    </p:tnLst>
-  </p:timing>
 </p:sld>
 </file>
 
@@ -11937,22 +11618,21 @@
           <a:lstStyle/>
           <a:p>
             <a:r>
-              <a:rPr lang="es-CO" dirty="0" err="1" smtClean="0"/>
+              <a:rPr lang="es-CO" dirty="0" err="1"/>
               <a:t>Exploratory</a:t>
             </a:r>
             <a:r>
-              <a:rPr lang="es-CO" dirty="0" smtClean="0"/>
+              <a:rPr lang="es-CO" dirty="0"/>
               <a:t> Data </a:t>
             </a:r>
             <a:r>
-              <a:rPr lang="es-CO" dirty="0" err="1" smtClean="0"/>
+              <a:rPr lang="es-CO" dirty="0" err="1"/>
               <a:t>analysis</a:t>
             </a:r>
             <a:r>
-              <a:rPr lang="es-CO" dirty="0" smtClean="0"/>
+              <a:rPr lang="es-CO" dirty="0"/>
               <a:t> (Eda)</a:t>
             </a:r>
-            <a:endParaRPr lang="es-CO" dirty="0"/>
           </a:p>
         </p:txBody>
       </p:sp>
@@ -12071,13 +11751,6 @@
   <p:clrMapOvr>
     <a:masterClrMapping/>
   </p:clrMapOvr>
-  <p:timing>
-    <p:tnLst>
-      <p:par>
-        <p:cTn id="1" dur="indefinite" restart="never" nodeType="tmRoot"/>
-      </p:par>
-    </p:tnLst>
-  </p:timing>
 </p:sld>
 </file>
 
@@ -12116,65 +11789,57 @@
           <a:lstStyle/>
           <a:p>
             <a:r>
-              <a:rPr lang="es-CO" sz="2200" b="1" dirty="0" smtClean="0"/>
+              <a:rPr lang="es-CO" sz="2200" b="1" dirty="0"/>
               <a:t>Objetivos</a:t>
             </a:r>
             <a:r>
-              <a:rPr lang="es-CO" sz="2200" dirty="0" smtClean="0"/>
+              <a:rPr lang="es-CO" sz="2200" dirty="0"/>
               <a:t> </a:t>
             </a:r>
           </a:p>
           <a:p>
             <a:pPr lvl="1"/>
             <a:r>
-              <a:rPr lang="es-CO" sz="2200" dirty="0" smtClean="0"/>
+              <a:rPr lang="es-CO" sz="2200" dirty="0"/>
               <a:t>Detectar problemas o errores en la información.</a:t>
             </a:r>
           </a:p>
           <a:p>
             <a:pPr lvl="1"/>
             <a:r>
-              <a:rPr lang="es-CO" sz="2200" dirty="0" smtClean="0"/>
+              <a:rPr lang="es-CO" sz="2200" dirty="0"/>
               <a:t>Entender la estructura de los datos .</a:t>
             </a:r>
           </a:p>
           <a:p>
             <a:pPr lvl="1"/>
             <a:r>
-              <a:rPr lang="es-CO" sz="2200" dirty="0" smtClean="0"/>
+              <a:rPr lang="es-CO" sz="2200" dirty="0"/>
               <a:t>Encontrar relaciones entre las variables.</a:t>
             </a:r>
           </a:p>
           <a:p>
             <a:pPr lvl="1"/>
             <a:r>
-              <a:rPr lang="es-CO" sz="2200" dirty="0" smtClean="0"/>
+              <a:rPr lang="es-CO" sz="2200" dirty="0"/>
               <a:t>Identificar los posibles modelos que mejor se adaptarían a los datos.</a:t>
             </a:r>
           </a:p>
           <a:p>
             <a:r>
-              <a:rPr lang="es-CO" sz="2200" dirty="0" smtClean="0"/>
-              <a:t>Es </a:t>
-            </a:r>
-            <a:r>
               <a:rPr lang="es-CO" sz="2200" dirty="0"/>
-              <a:t>el primer análisis que se realiza </a:t>
-            </a:r>
-            <a:r>
-              <a:rPr lang="es-CO" sz="2200" dirty="0" smtClean="0"/>
-              <a:t>en un proyecto de ciencia de datos.</a:t>
-            </a:r>
-          </a:p>
-          <a:p>
-            <a:r>
-              <a:rPr lang="es-CO" sz="2200" dirty="0" smtClean="0"/>
+              <a:t>Es el primer análisis que se realiza en un proyecto de ciencia de datos.</a:t>
+            </a:r>
+          </a:p>
+          <a:p>
+            <a:r>
+              <a:rPr lang="es-CO" sz="2200" dirty="0"/>
               <a:t>Incluye un análisis descriptivo con estadísticos básicos.</a:t>
             </a:r>
           </a:p>
           <a:p>
             <a:r>
-              <a:rPr lang="es-CO" sz="2200" dirty="0" smtClean="0"/>
+              <a:rPr lang="es-CO" sz="2200" dirty="0"/>
               <a:t>Para este análisis debería existir un elemento crucial en los</a:t>
             </a:r>
           </a:p>
@@ -12184,21 +11849,16 @@
             </a:pPr>
             <a:r>
               <a:rPr lang="es-CO" sz="2200" dirty="0"/>
-              <a:t> </a:t>
-            </a:r>
-            <a:r>
-              <a:rPr lang="es-CO" sz="2200" dirty="0" smtClean="0"/>
-              <a:t>  Proyectos – </a:t>
-            </a:r>
-            <a:r>
-              <a:rPr lang="es-CO" sz="2200" b="1" dirty="0" smtClean="0"/>
+              <a:t>   Proyectos – </a:t>
+            </a:r>
+            <a:r>
+              <a:rPr lang="es-CO" sz="2200" b="1" dirty="0"/>
               <a:t>El diccionario de datos</a:t>
             </a:r>
             <a:r>
-              <a:rPr lang="es-CO" sz="2200" dirty="0" smtClean="0"/>
+              <a:rPr lang="es-CO" sz="2200" dirty="0"/>
               <a:t>-</a:t>
             </a:r>
-            <a:endParaRPr lang="es-CO" sz="2200" dirty="0"/>
           </a:p>
         </p:txBody>
       </p:sp>
@@ -12274,22 +11934,21 @@
           </a:lstStyle>
           <a:p>
             <a:r>
-              <a:rPr lang="es-CO" dirty="0" err="1" smtClean="0"/>
+              <a:rPr lang="es-CO" dirty="0" err="1"/>
               <a:t>Exploratory</a:t>
             </a:r>
             <a:r>
-              <a:rPr lang="es-CO" dirty="0" smtClean="0"/>
+              <a:rPr lang="es-CO" dirty="0"/>
               <a:t> Data </a:t>
             </a:r>
             <a:r>
-              <a:rPr lang="es-CO" dirty="0" err="1" smtClean="0"/>
+              <a:rPr lang="es-CO" dirty="0" err="1"/>
               <a:t>analysis</a:t>
             </a:r>
             <a:r>
-              <a:rPr lang="es-CO" dirty="0" smtClean="0"/>
+              <a:rPr lang="es-CO" dirty="0"/>
               <a:t> (Eda)</a:t>
             </a:r>
-            <a:endParaRPr lang="es-CO" dirty="0"/>
           </a:p>
         </p:txBody>
       </p:sp>
@@ -12385,13 +12044,6 @@
   <p:clrMapOvr>
     <a:masterClrMapping/>
   </p:clrMapOvr>
-  <p:timing>
-    <p:tnLst>
-      <p:par>
-        <p:cTn id="1" dur="indefinite" restart="never" nodeType="tmRoot"/>
-      </p:par>
-    </p:tnLst>
-  </p:timing>
 </p:sld>
 </file>
 
@@ -12609,22 +12261,21 @@
           </a:lstStyle>
           <a:p>
             <a:r>
-              <a:rPr lang="es-CO" dirty="0" err="1" smtClean="0"/>
+              <a:rPr lang="es-CO" dirty="0" err="1"/>
               <a:t>Exploratory</a:t>
             </a:r>
             <a:r>
-              <a:rPr lang="es-CO" dirty="0" smtClean="0"/>
+              <a:rPr lang="es-CO" dirty="0"/>
               <a:t> Data </a:t>
             </a:r>
             <a:r>
-              <a:rPr lang="es-CO" dirty="0" err="1" smtClean="0"/>
+              <a:rPr lang="es-CO" dirty="0" err="1"/>
               <a:t>analysis</a:t>
             </a:r>
             <a:r>
-              <a:rPr lang="es-CO" dirty="0" smtClean="0"/>
+              <a:rPr lang="es-CO" dirty="0"/>
               <a:t> (Eda)</a:t>
             </a:r>
-            <a:endParaRPr lang="es-CO" dirty="0"/>
           </a:p>
         </p:txBody>
       </p:sp>
@@ -12638,13 +12289,6 @@
   <p:clrMapOvr>
     <a:masterClrMapping/>
   </p:clrMapOvr>
-  <p:timing>
-    <p:tnLst>
-      <p:par>
-        <p:cTn id="1" dur="indefinite" restart="never" nodeType="tmRoot"/>
-      </p:par>
-    </p:tnLst>
-  </p:timing>
 </p:sld>
 </file>
 
@@ -12686,18 +12330,18 @@
               <a:buNone/>
             </a:pPr>
             <a:r>
-              <a:rPr lang="es-CO" b="1" dirty="0" smtClean="0"/>
+              <a:rPr lang="es-CO" b="1" dirty="0"/>
               <a:t>Diccionario de datos</a:t>
             </a:r>
             <a:r>
-              <a:rPr lang="es-CO" dirty="0" smtClean="0"/>
+              <a:rPr lang="es-CO" dirty="0"/>
               <a:t>, o un repositorio de metadatos, es un documento que contiene información acerca de la información del proyecto, por ejemplo:</a:t>
             </a:r>
           </a:p>
           <a:p>
             <a:pPr lvl="1"/>
             <a:r>
-              <a:rPr lang="es-CO" dirty="0" smtClean="0"/>
+              <a:rPr lang="es-CO" dirty="0"/>
               <a:t>Nombres</a:t>
             </a:r>
           </a:p>
@@ -12711,42 +12355,42 @@
           <a:p>
             <a:pPr lvl="1"/>
             <a:r>
-              <a:rPr lang="es-CO" dirty="0" smtClean="0"/>
+              <a:rPr lang="es-CO" dirty="0"/>
               <a:t>Descripción </a:t>
             </a:r>
           </a:p>
           <a:p>
             <a:pPr lvl="1"/>
             <a:r>
-              <a:rPr lang="es-CO" dirty="0" smtClean="0"/>
+              <a:rPr lang="es-CO" dirty="0"/>
               <a:t>Relaciones entre variables</a:t>
             </a:r>
           </a:p>
           <a:p>
             <a:pPr lvl="1"/>
             <a:r>
-              <a:rPr lang="es-CO" dirty="0" smtClean="0"/>
+              <a:rPr lang="es-CO" dirty="0"/>
               <a:t>Origen</a:t>
             </a:r>
           </a:p>
           <a:p>
             <a:pPr lvl="1"/>
             <a:r>
-              <a:rPr lang="es-CO" dirty="0" smtClean="0"/>
+              <a:rPr lang="es-CO" dirty="0"/>
               <a:t>Destino</a:t>
             </a:r>
           </a:p>
           <a:p>
             <a:pPr lvl="1"/>
             <a:r>
-              <a:rPr lang="es-CO" dirty="0" smtClean="0"/>
+              <a:rPr lang="es-CO" dirty="0"/>
               <a:t>Formato</a:t>
             </a:r>
           </a:p>
           <a:p>
             <a:pPr lvl="1"/>
             <a:r>
-              <a:rPr lang="es-CO" dirty="0" smtClean="0"/>
+              <a:rPr lang="es-CO" dirty="0"/>
               <a:t>Rango</a:t>
             </a:r>
           </a:p>
@@ -12755,15 +12399,15 @@
               <a:buNone/>
             </a:pPr>
             <a:r>
-              <a:rPr lang="es-CO" dirty="0" smtClean="0"/>
+              <a:rPr lang="es-CO" dirty="0"/>
               <a:t>A partir del diccionario de datos podemos encontrar los distintos problemas en los </a:t>
             </a:r>
             <a:r>
-              <a:rPr lang="es-CO" i="1" dirty="0" err="1" smtClean="0"/>
+              <a:rPr lang="es-CO" i="1" dirty="0" err="1"/>
               <a:t>datasets</a:t>
             </a:r>
             <a:r>
-              <a:rPr lang="es-CO" dirty="0" smtClean="0"/>
+              <a:rPr lang="es-CO" dirty="0"/>
               <a:t>.</a:t>
             </a:r>
           </a:p>
@@ -12886,22 +12530,21 @@
           </a:lstStyle>
           <a:p>
             <a:r>
-              <a:rPr lang="es-CO" dirty="0" err="1" smtClean="0"/>
+              <a:rPr lang="es-CO" dirty="0" err="1"/>
               <a:t>Exploratory</a:t>
             </a:r>
             <a:r>
-              <a:rPr lang="es-CO" dirty="0" smtClean="0"/>
+              <a:rPr lang="es-CO" dirty="0"/>
               <a:t> Data </a:t>
             </a:r>
             <a:r>
-              <a:rPr lang="es-CO" dirty="0" err="1" smtClean="0"/>
+              <a:rPr lang="es-CO" dirty="0" err="1"/>
               <a:t>analysis</a:t>
             </a:r>
             <a:r>
-              <a:rPr lang="es-CO" dirty="0" smtClean="0"/>
+              <a:rPr lang="es-CO" dirty="0"/>
               <a:t> (Eda)</a:t>
             </a:r>
-            <a:endParaRPr lang="es-CO" dirty="0"/>
           </a:p>
         </p:txBody>
       </p:sp>
@@ -12915,13 +12558,6 @@
   <p:clrMapOvr>
     <a:masterClrMapping/>
   </p:clrMapOvr>
-  <p:timing>
-    <p:tnLst>
-      <p:par>
-        <p:cTn id="1" dur="indefinite" restart="never" nodeType="tmRoot"/>
-      </p:par>
-    </p:tnLst>
-  </p:timing>
 </p:sld>
 </file>
 
@@ -13055,22 +12691,21 @@
           </a:lstStyle>
           <a:p>
             <a:r>
-              <a:rPr lang="es-CO" dirty="0" err="1" smtClean="0"/>
+              <a:rPr lang="es-CO" dirty="0" err="1"/>
               <a:t>Exploratory</a:t>
             </a:r>
             <a:r>
-              <a:rPr lang="es-CO" dirty="0" smtClean="0"/>
+              <a:rPr lang="es-CO" dirty="0"/>
               <a:t> Data </a:t>
             </a:r>
             <a:r>
-              <a:rPr lang="es-CO" dirty="0" err="1" smtClean="0"/>
+              <a:rPr lang="es-CO" dirty="0" err="1"/>
               <a:t>analysis</a:t>
             </a:r>
             <a:r>
-              <a:rPr lang="es-CO" dirty="0" smtClean="0"/>
+              <a:rPr lang="es-CO" dirty="0"/>
               <a:t> (Eda)</a:t>
             </a:r>
-            <a:endParaRPr lang="es-CO" dirty="0"/>
           </a:p>
         </p:txBody>
       </p:sp>
@@ -13153,13 +12788,6 @@
   <p:clrMapOvr>
     <a:masterClrMapping/>
   </p:clrMapOvr>
-  <p:timing>
-    <p:tnLst>
-      <p:par>
-        <p:cTn id="1" dur="indefinite" restart="never" nodeType="tmRoot"/>
-      </p:par>
-    </p:tnLst>
-  </p:timing>
 </p:sld>
 </file>
 
@@ -13196,64 +12824,64 @@
           <a:lstStyle/>
           <a:p>
             <a:r>
-              <a:rPr lang="es-CO" sz="2200" dirty="0" smtClean="0"/>
+              <a:rPr lang="es-CO" sz="2200" dirty="0"/>
               <a:t>Los principales tipos de problemas que se pueden encontrar en los datos son:</a:t>
             </a:r>
           </a:p>
           <a:p>
             <a:pPr lvl="1"/>
             <a:r>
-              <a:rPr lang="es-CO" sz="2200" dirty="0" smtClean="0"/>
+              <a:rPr lang="es-CO" sz="2200" dirty="0"/>
               <a:t>El formato de las variables no coincide con el tipo de variable.</a:t>
             </a:r>
           </a:p>
           <a:p>
             <a:pPr lvl="1"/>
             <a:r>
-              <a:rPr lang="es-CO" sz="2200" dirty="0" smtClean="0"/>
+              <a:rPr lang="es-CO" sz="2200" dirty="0"/>
               <a:t>Observaciones duplicadas.</a:t>
             </a:r>
           </a:p>
           <a:p>
             <a:pPr lvl="1"/>
             <a:r>
-              <a:rPr lang="es-CO" sz="2200" dirty="0" smtClean="0"/>
+              <a:rPr lang="es-CO" sz="2200" dirty="0"/>
               <a:t>Valores perdidos (</a:t>
             </a:r>
             <a:r>
-              <a:rPr lang="es-CO" sz="2200" dirty="0" err="1" smtClean="0"/>
+              <a:rPr lang="es-CO" sz="2200" dirty="0" err="1"/>
               <a:t>NaN</a:t>
             </a:r>
             <a:r>
-              <a:rPr lang="es-CO" sz="2200" dirty="0" smtClean="0"/>
+              <a:rPr lang="es-CO" sz="2200" dirty="0"/>
               <a:t>).</a:t>
             </a:r>
           </a:p>
           <a:p>
             <a:pPr lvl="1"/>
             <a:r>
-              <a:rPr lang="es-CO" sz="2200" dirty="0" smtClean="0"/>
+              <a:rPr lang="es-CO" sz="2200" dirty="0"/>
               <a:t>Errores de digitación.</a:t>
             </a:r>
           </a:p>
           <a:p>
             <a:pPr lvl="1"/>
             <a:r>
-              <a:rPr lang="es-CO" sz="2200" dirty="0" smtClean="0"/>
+              <a:rPr lang="es-CO" sz="2200" dirty="0"/>
               <a:t>Valores fuera de rango o inválidos.</a:t>
             </a:r>
           </a:p>
           <a:p>
             <a:pPr lvl="1"/>
-            <a:endParaRPr lang="es-CO" sz="2200" dirty="0" smtClean="0"/>
+            <a:endParaRPr lang="es-CO" sz="2200" dirty="0"/>
           </a:p>
           <a:p>
             <a:pPr lvl="1"/>
-            <a:endParaRPr lang="es-CO" sz="2200" dirty="0" smtClean="0"/>
+            <a:endParaRPr lang="es-CO" sz="2200" dirty="0"/>
           </a:p>
           <a:p>
             <a:pPr lvl="1"/>
-            <a:endParaRPr lang="es-CO" dirty="0" smtClean="0"/>
+            <a:endParaRPr lang="es-CO" dirty="0"/>
           </a:p>
           <a:p>
             <a:pPr marL="274320" lvl="1" indent="0">
@@ -13348,22 +12976,21 @@
           <a:lstStyle/>
           <a:p>
             <a:r>
-              <a:rPr lang="es-CO" dirty="0" err="1" smtClean="0"/>
+              <a:rPr lang="es-CO" dirty="0" err="1"/>
               <a:t>Exploratory</a:t>
             </a:r>
             <a:r>
-              <a:rPr lang="es-CO" dirty="0" smtClean="0"/>
+              <a:rPr lang="es-CO" dirty="0"/>
               <a:t> Data </a:t>
             </a:r>
             <a:r>
-              <a:rPr lang="es-CO" dirty="0" err="1" smtClean="0"/>
+              <a:rPr lang="es-CO" dirty="0" err="1"/>
               <a:t>analysis</a:t>
             </a:r>
             <a:r>
-              <a:rPr lang="es-CO" dirty="0" smtClean="0"/>
+              <a:rPr lang="es-CO" dirty="0"/>
               <a:t> (Eda)</a:t>
             </a:r>
-            <a:endParaRPr lang="es-CO" dirty="0"/>
           </a:p>
         </p:txBody>
       </p:sp>
@@ -13418,13 +13045,6 @@
   <p:clrMapOvr>
     <a:masterClrMapping/>
   </p:clrMapOvr>
-  <p:timing>
-    <p:tnLst>
-      <p:par>
-        <p:cTn id="1" dur="indefinite" restart="never" nodeType="tmRoot"/>
-      </p:par>
-    </p:tnLst>
-  </p:timing>
 </p:sld>
 </file>
 
@@ -13489,22 +13109,21 @@
           <a:lstStyle/>
           <a:p>
             <a:r>
-              <a:rPr lang="es-CO" dirty="0" err="1" smtClean="0"/>
+              <a:rPr lang="es-CO" dirty="0" err="1"/>
               <a:t>Exploratory</a:t>
             </a:r>
             <a:r>
-              <a:rPr lang="es-CO" dirty="0" smtClean="0"/>
+              <a:rPr lang="es-CO" dirty="0"/>
               <a:t> Data </a:t>
             </a:r>
             <a:r>
-              <a:rPr lang="es-CO" dirty="0" err="1" smtClean="0"/>
+              <a:rPr lang="es-CO" dirty="0" err="1"/>
               <a:t>analysis</a:t>
             </a:r>
             <a:r>
-              <a:rPr lang="es-CO" dirty="0" smtClean="0"/>
+              <a:rPr lang="es-CO" dirty="0"/>
               <a:t> (Eda)</a:t>
             </a:r>
-            <a:endParaRPr lang="es-CO" dirty="0"/>
           </a:p>
         </p:txBody>
       </p:sp>
@@ -13594,10 +13213,9 @@
           <a:lstStyle/>
           <a:p>
             <a:r>
-              <a:rPr lang="es-CO" sz="2000" b="1" dirty="0" smtClean="0"/>
+              <a:rPr lang="es-CO" sz="2000" b="1" dirty="0"/>
               <a:t>Usualmente, es la actividad que más consume tiempo en un proyecto de ciencia de datos</a:t>
             </a:r>
-            <a:endParaRPr lang="es-CO" sz="2000" b="1" dirty="0"/>
           </a:p>
         </p:txBody>
       </p:sp>
